--- a/AGILE.pptx
+++ b/AGILE.pptx
@@ -19,8 +19,12 @@
     <p:sldId id="267" r:id="rId13"/>
     <p:sldId id="268" r:id="rId14"/>
     <p:sldId id="269" r:id="rId15"/>
-    <p:sldId id="270" r:id="rId16"/>
-    <p:sldId id="271" r:id="rId17"/>
+    <p:sldId id="273" r:id="rId16"/>
+    <p:sldId id="274" r:id="rId17"/>
+    <p:sldId id="275" r:id="rId18"/>
+    <p:sldId id="272" r:id="rId19"/>
+    <p:sldId id="270" r:id="rId20"/>
+    <p:sldId id="271" r:id="rId21"/>
   </p:sldIdLst>
   <p:sldSz cx="12192000" cy="6858000"/>
   <p:notesSz cx="6858000" cy="9144000"/>
@@ -119,6 +123,11 @@
       </a:defRPr>
     </a:lvl9pPr>
   </p:defaultTextStyle>
+  <p:extLst>
+    <p:ext uri="{EFAFB233-063F-42B5-8137-9DF3F51BA10A}">
+      <p15:sldGuideLst xmlns:p15="http://schemas.microsoft.com/office/powerpoint/2012/main"/>
+    </p:ext>
+  </p:extLst>
 </p:presentation>
 </file>
 
@@ -172,7 +181,7 @@
           <a:noFill/>
           <a:extLst>
             <a:ext uri="{909E8E84-426E-40dd-AFC4-6F175D3DCCD1}">
-              <a14:hiddenFill xmlns:a14="http://schemas.microsoft.com/office/drawing/2010/main" xmlns="">
+              <a14:hiddenFill xmlns="" xmlns:a14="http://schemas.microsoft.com/office/drawing/2010/main">
                 <a:solidFill>
                   <a:srgbClr val="FFFFFF"/>
                 </a:solidFill>
@@ -232,7 +241,7 @@
             </a:ln>
             <a:extLst>
               <a:ext uri="{91240B29-F687-4f45-9708-019B960494DF}">
-                <a14:hiddenLine xmlns:a14="http://schemas.microsoft.com/office/drawing/2010/main" xmlns="" w="9525">
+                <a14:hiddenLine xmlns="" xmlns:a14="http://schemas.microsoft.com/office/drawing/2010/main" w="9525">
                   <a:solidFill>
                     <a:srgbClr val="000000"/>
                   </a:solidFill>
@@ -322,7 +331,7 @@
             </a:ln>
             <a:extLst>
               <a:ext uri="{91240B29-F687-4f45-9708-019B960494DF}">
-                <a14:hiddenLine xmlns:a14="http://schemas.microsoft.com/office/drawing/2010/main" xmlns="" w="9525">
+                <a14:hiddenLine xmlns="" xmlns:a14="http://schemas.microsoft.com/office/drawing/2010/main" w="9525">
                   <a:solidFill>
                     <a:srgbClr val="000000"/>
                   </a:solidFill>
@@ -412,7 +421,7 @@
             </a:ln>
             <a:extLst>
               <a:ext uri="{91240B29-F687-4f45-9708-019B960494DF}">
-                <a14:hiddenLine xmlns:a14="http://schemas.microsoft.com/office/drawing/2010/main" xmlns="" w="9525">
+                <a14:hiddenLine xmlns="" xmlns:a14="http://schemas.microsoft.com/office/drawing/2010/main" w="9525">
                   <a:solidFill>
                     <a:srgbClr val="000000"/>
                   </a:solidFill>
@@ -446,7 +455,7 @@
             </a:ln>
             <a:extLst>
               <a:ext uri="{91240B29-F687-4f45-9708-019B960494DF}">
-                <a14:hiddenLine xmlns:a14="http://schemas.microsoft.com/office/drawing/2010/main" xmlns="" w="9525">
+                <a14:hiddenLine xmlns="" xmlns:a14="http://schemas.microsoft.com/office/drawing/2010/main" w="9525">
                   <a:solidFill>
                     <a:srgbClr val="000000"/>
                   </a:solidFill>
@@ -536,7 +545,7 @@
             </a:ln>
             <a:extLst>
               <a:ext uri="{91240B29-F687-4f45-9708-019B960494DF}">
-                <a14:hiddenLine xmlns:a14="http://schemas.microsoft.com/office/drawing/2010/main" xmlns="" w="9525">
+                <a14:hiddenLine xmlns="" xmlns:a14="http://schemas.microsoft.com/office/drawing/2010/main" w="9525">
                   <a:solidFill>
                     <a:srgbClr val="000000"/>
                   </a:solidFill>
@@ -598,7 +607,7 @@
             </a:ln>
             <a:extLst>
               <a:ext uri="{91240B29-F687-4f45-9708-019B960494DF}">
-                <a14:hiddenLine xmlns:a14="http://schemas.microsoft.com/office/drawing/2010/main" xmlns="" w="9525">
+                <a14:hiddenLine xmlns="" xmlns:a14="http://schemas.microsoft.com/office/drawing/2010/main" w="9525">
                   <a:solidFill>
                     <a:srgbClr val="000000"/>
                   </a:solidFill>
@@ -660,7 +669,7 @@
             </a:ln>
             <a:extLst>
               <a:ext uri="{91240B29-F687-4f45-9708-019B960494DF}">
-                <a14:hiddenLine xmlns:a14="http://schemas.microsoft.com/office/drawing/2010/main" xmlns="" w="9525">
+                <a14:hiddenLine xmlns="" xmlns:a14="http://schemas.microsoft.com/office/drawing/2010/main" w="9525">
                   <a:solidFill>
                     <a:srgbClr val="000000"/>
                   </a:solidFill>
@@ -750,7 +759,7 @@
             </a:ln>
             <a:extLst>
               <a:ext uri="{91240B29-F687-4f45-9708-019B960494DF}">
-                <a14:hiddenLine xmlns:a14="http://schemas.microsoft.com/office/drawing/2010/main" xmlns="" w="9525">
+                <a14:hiddenLine xmlns="" xmlns:a14="http://schemas.microsoft.com/office/drawing/2010/main" w="9525">
                   <a:solidFill>
                     <a:srgbClr val="000000"/>
                   </a:solidFill>
@@ -812,7 +821,7 @@
             </a:ln>
             <a:extLst>
               <a:ext uri="{91240B29-F687-4f45-9708-019B960494DF}">
-                <a14:hiddenLine xmlns:a14="http://schemas.microsoft.com/office/drawing/2010/main" xmlns="" w="9525">
+                <a14:hiddenLine xmlns="" xmlns:a14="http://schemas.microsoft.com/office/drawing/2010/main" w="9525">
                   <a:solidFill>
                     <a:srgbClr val="000000"/>
                   </a:solidFill>
@@ -874,7 +883,7 @@
             </a:ln>
             <a:extLst>
               <a:ext uri="{91240B29-F687-4f45-9708-019B960494DF}">
-                <a14:hiddenLine xmlns:a14="http://schemas.microsoft.com/office/drawing/2010/main" xmlns="" w="9525">
+                <a14:hiddenLine xmlns="" xmlns:a14="http://schemas.microsoft.com/office/drawing/2010/main" w="9525">
                   <a:solidFill>
                     <a:srgbClr val="000000"/>
                   </a:solidFill>
@@ -964,7 +973,7 @@
             </a:ln>
             <a:extLst>
               <a:ext uri="{91240B29-F687-4f45-9708-019B960494DF}">
-                <a14:hiddenLine xmlns:a14="http://schemas.microsoft.com/office/drawing/2010/main" xmlns="" w="9525">
+                <a14:hiddenLine xmlns="" xmlns:a14="http://schemas.microsoft.com/office/drawing/2010/main" w="9525">
                   <a:solidFill>
                     <a:srgbClr val="000000"/>
                   </a:solidFill>
@@ -1054,7 +1063,7 @@
             </a:ln>
             <a:extLst>
               <a:ext uri="{91240B29-F687-4f45-9708-019B960494DF}">
-                <a14:hiddenLine xmlns:a14="http://schemas.microsoft.com/office/drawing/2010/main" xmlns="" w="9525">
+                <a14:hiddenLine xmlns="" xmlns:a14="http://schemas.microsoft.com/office/drawing/2010/main" w="9525">
                   <a:solidFill>
                     <a:srgbClr val="000000"/>
                   </a:solidFill>
@@ -1116,7 +1125,7 @@
             </a:ln>
             <a:extLst>
               <a:ext uri="{91240B29-F687-4f45-9708-019B960494DF}">
-                <a14:hiddenLine xmlns:a14="http://schemas.microsoft.com/office/drawing/2010/main" xmlns="" w="9525">
+                <a14:hiddenLine xmlns="" xmlns:a14="http://schemas.microsoft.com/office/drawing/2010/main" w="9525">
                   <a:solidFill>
                     <a:srgbClr val="000000"/>
                   </a:solidFill>
@@ -1226,7 +1235,7 @@
             </a:ln>
             <a:extLst>
               <a:ext uri="{91240B29-F687-4f45-9708-019B960494DF}">
-                <a14:hiddenLine xmlns:a14="http://schemas.microsoft.com/office/drawing/2010/main" xmlns="" w="9525">
+                <a14:hiddenLine xmlns="" xmlns:a14="http://schemas.microsoft.com/office/drawing/2010/main" w="9525">
                   <a:solidFill>
                     <a:srgbClr val="000000"/>
                   </a:solidFill>
@@ -1288,7 +1297,7 @@
             </a:ln>
             <a:extLst>
               <a:ext uri="{91240B29-F687-4f45-9708-019B960494DF}">
-                <a14:hiddenLine xmlns:a14="http://schemas.microsoft.com/office/drawing/2010/main" xmlns="" w="9525">
+                <a14:hiddenLine xmlns="" xmlns:a14="http://schemas.microsoft.com/office/drawing/2010/main" w="9525">
                   <a:solidFill>
                     <a:srgbClr val="000000"/>
                   </a:solidFill>
@@ -1378,7 +1387,7 @@
             </a:ln>
             <a:extLst>
               <a:ext uri="{91240B29-F687-4f45-9708-019B960494DF}">
-                <a14:hiddenLine xmlns:a14="http://schemas.microsoft.com/office/drawing/2010/main" xmlns="" w="9525">
+                <a14:hiddenLine xmlns="" xmlns:a14="http://schemas.microsoft.com/office/drawing/2010/main" w="9525">
                   <a:solidFill>
                     <a:srgbClr val="000000"/>
                   </a:solidFill>
@@ -1468,7 +1477,7 @@
             </a:ln>
             <a:extLst>
               <a:ext uri="{91240B29-F687-4f45-9708-019B960494DF}">
-                <a14:hiddenLine xmlns:a14="http://schemas.microsoft.com/office/drawing/2010/main" xmlns="" w="9525">
+                <a14:hiddenLine xmlns="" xmlns:a14="http://schemas.microsoft.com/office/drawing/2010/main" w="9525">
                   <a:solidFill>
                     <a:srgbClr val="000000"/>
                   </a:solidFill>
@@ -1530,7 +1539,7 @@
             </a:ln>
             <a:extLst>
               <a:ext uri="{91240B29-F687-4f45-9708-019B960494DF}">
-                <a14:hiddenLine xmlns:a14="http://schemas.microsoft.com/office/drawing/2010/main" xmlns="" w="9525">
+                <a14:hiddenLine xmlns="" xmlns:a14="http://schemas.microsoft.com/office/drawing/2010/main" w="9525">
                   <a:solidFill>
                     <a:srgbClr val="000000"/>
                   </a:solidFill>
@@ -1620,7 +1629,7 @@
             </a:ln>
             <a:extLst>
               <a:ext uri="{91240B29-F687-4f45-9708-019B960494DF}">
-                <a14:hiddenLine xmlns:a14="http://schemas.microsoft.com/office/drawing/2010/main" xmlns="" w="9525">
+                <a14:hiddenLine xmlns="" xmlns:a14="http://schemas.microsoft.com/office/drawing/2010/main" w="9525">
                   <a:solidFill>
                     <a:srgbClr val="000000"/>
                   </a:solidFill>
@@ -1710,7 +1719,7 @@
             </a:ln>
             <a:extLst>
               <a:ext uri="{91240B29-F687-4f45-9708-019B960494DF}">
-                <a14:hiddenLine xmlns:a14="http://schemas.microsoft.com/office/drawing/2010/main" xmlns="" w="9525">
+                <a14:hiddenLine xmlns="" xmlns:a14="http://schemas.microsoft.com/office/drawing/2010/main" w="9525">
                   <a:solidFill>
                     <a:srgbClr val="000000"/>
                   </a:solidFill>
@@ -1766,7 +1775,7 @@
             </a:ln>
             <a:extLst>
               <a:ext uri="{91240B29-F687-4f45-9708-019B960494DF}">
-                <a14:hiddenLine xmlns:a14="http://schemas.microsoft.com/office/drawing/2010/main" xmlns="" w="9525">
+                <a14:hiddenLine xmlns="" xmlns:a14="http://schemas.microsoft.com/office/drawing/2010/main" w="9525">
                   <a:solidFill>
                     <a:srgbClr val="000000"/>
                   </a:solidFill>
@@ -1856,7 +1865,7 @@
             </a:ln>
             <a:extLst>
               <a:ext uri="{91240B29-F687-4f45-9708-019B960494DF}">
-                <a14:hiddenLine xmlns:a14="http://schemas.microsoft.com/office/drawing/2010/main" xmlns="" w="9525">
+                <a14:hiddenLine xmlns="" xmlns:a14="http://schemas.microsoft.com/office/drawing/2010/main" w="9525">
                   <a:solidFill>
                     <a:srgbClr val="000000"/>
                   </a:solidFill>
@@ -1912,7 +1921,7 @@
             </a:ln>
             <a:extLst>
               <a:ext uri="{91240B29-F687-4f45-9708-019B960494DF}">
-                <a14:hiddenLine xmlns:a14="http://schemas.microsoft.com/office/drawing/2010/main" xmlns="" w="9525">
+                <a14:hiddenLine xmlns="" xmlns:a14="http://schemas.microsoft.com/office/drawing/2010/main" w="9525">
                   <a:solidFill>
                     <a:srgbClr val="000000"/>
                   </a:solidFill>
@@ -2002,7 +2011,7 @@
             </a:ln>
             <a:extLst>
               <a:ext uri="{91240B29-F687-4f45-9708-019B960494DF}">
-                <a14:hiddenLine xmlns:a14="http://schemas.microsoft.com/office/drawing/2010/main" xmlns="" w="9525">
+                <a14:hiddenLine xmlns="" xmlns:a14="http://schemas.microsoft.com/office/drawing/2010/main" w="9525">
                   <a:solidFill>
                     <a:srgbClr val="000000"/>
                   </a:solidFill>
@@ -2070,7 +2079,7 @@
             </a:ln>
             <a:extLst>
               <a:ext uri="{91240B29-F687-4f45-9708-019B960494DF}">
-                <a14:hiddenLine xmlns:a14="http://schemas.microsoft.com/office/drawing/2010/main" xmlns="" w="9525">
+                <a14:hiddenLine xmlns="" xmlns:a14="http://schemas.microsoft.com/office/drawing/2010/main" w="9525">
                   <a:solidFill>
                     <a:srgbClr val="000000"/>
                   </a:solidFill>
@@ -2160,7 +2169,7 @@
             </a:ln>
             <a:extLst>
               <a:ext uri="{91240B29-F687-4f45-9708-019B960494DF}">
-                <a14:hiddenLine xmlns:a14="http://schemas.microsoft.com/office/drawing/2010/main" xmlns="" w="9525">
+                <a14:hiddenLine xmlns="" xmlns:a14="http://schemas.microsoft.com/office/drawing/2010/main" w="9525">
                   <a:solidFill>
                     <a:srgbClr val="000000"/>
                   </a:solidFill>
@@ -2228,7 +2237,7 @@
             </a:ln>
             <a:extLst>
               <a:ext uri="{91240B29-F687-4f45-9708-019B960494DF}">
-                <a14:hiddenLine xmlns:a14="http://schemas.microsoft.com/office/drawing/2010/main" xmlns="" w="9525">
+                <a14:hiddenLine xmlns="" xmlns:a14="http://schemas.microsoft.com/office/drawing/2010/main" w="9525">
                   <a:solidFill>
                     <a:srgbClr val="000000"/>
                   </a:solidFill>
@@ -2318,7 +2327,7 @@
             </a:ln>
             <a:extLst>
               <a:ext uri="{91240B29-F687-4f45-9708-019B960494DF}">
-                <a14:hiddenLine xmlns:a14="http://schemas.microsoft.com/office/drawing/2010/main" xmlns="" w="9525">
+                <a14:hiddenLine xmlns="" xmlns:a14="http://schemas.microsoft.com/office/drawing/2010/main" w="9525">
                   <a:solidFill>
                     <a:srgbClr val="000000"/>
                   </a:solidFill>
@@ -2352,7 +2361,7 @@
             </a:ln>
             <a:extLst>
               <a:ext uri="{91240B29-F687-4f45-9708-019B960494DF}">
-                <a14:hiddenLine xmlns:a14="http://schemas.microsoft.com/office/drawing/2010/main" xmlns="" w="9525">
+                <a14:hiddenLine xmlns="" xmlns:a14="http://schemas.microsoft.com/office/drawing/2010/main" w="9525">
                   <a:solidFill>
                     <a:srgbClr val="000000"/>
                   </a:solidFill>
@@ -2442,7 +2451,7 @@
             </a:ln>
             <a:extLst>
               <a:ext uri="{91240B29-F687-4f45-9708-019B960494DF}">
-                <a14:hiddenLine xmlns:a14="http://schemas.microsoft.com/office/drawing/2010/main" xmlns="" w="9525">
+                <a14:hiddenLine xmlns="" xmlns:a14="http://schemas.microsoft.com/office/drawing/2010/main" w="9525">
                   <a:solidFill>
                     <a:srgbClr val="000000"/>
                   </a:solidFill>
@@ -2504,7 +2513,7 @@
             </a:ln>
             <a:extLst>
               <a:ext uri="{91240B29-F687-4f45-9708-019B960494DF}">
-                <a14:hiddenLine xmlns:a14="http://schemas.microsoft.com/office/drawing/2010/main" xmlns="" w="9525">
+                <a14:hiddenLine xmlns="" xmlns:a14="http://schemas.microsoft.com/office/drawing/2010/main" w="9525">
                   <a:solidFill>
                     <a:srgbClr val="000000"/>
                   </a:solidFill>
@@ -2566,7 +2575,7 @@
             </a:ln>
             <a:extLst>
               <a:ext uri="{91240B29-F687-4f45-9708-019B960494DF}">
-                <a14:hiddenLine xmlns:a14="http://schemas.microsoft.com/office/drawing/2010/main" xmlns="" w="9525">
+                <a14:hiddenLine xmlns="" xmlns:a14="http://schemas.microsoft.com/office/drawing/2010/main" w="9525">
                   <a:solidFill>
                     <a:srgbClr val="000000"/>
                   </a:solidFill>
@@ -2656,7 +2665,7 @@
             </a:ln>
             <a:extLst>
               <a:ext uri="{91240B29-F687-4f45-9708-019B960494DF}">
-                <a14:hiddenLine xmlns:a14="http://schemas.microsoft.com/office/drawing/2010/main" xmlns="" w="9525">
+                <a14:hiddenLine xmlns="" xmlns:a14="http://schemas.microsoft.com/office/drawing/2010/main" w="9525">
                   <a:solidFill>
                     <a:srgbClr val="000000"/>
                   </a:solidFill>
@@ -2724,7 +2733,7 @@
             </a:ln>
             <a:extLst>
               <a:ext uri="{91240B29-F687-4f45-9708-019B960494DF}">
-                <a14:hiddenLine xmlns:a14="http://schemas.microsoft.com/office/drawing/2010/main" xmlns="" w="9525">
+                <a14:hiddenLine xmlns="" xmlns:a14="http://schemas.microsoft.com/office/drawing/2010/main" w="9525">
                   <a:solidFill>
                     <a:srgbClr val="000000"/>
                   </a:solidFill>
@@ -2786,7 +2795,7 @@
             </a:ln>
             <a:extLst>
               <a:ext uri="{91240B29-F687-4f45-9708-019B960494DF}">
-                <a14:hiddenLine xmlns:a14="http://schemas.microsoft.com/office/drawing/2010/main" xmlns="" w="9525">
+                <a14:hiddenLine xmlns="" xmlns:a14="http://schemas.microsoft.com/office/drawing/2010/main" w="9525">
                   <a:solidFill>
                     <a:srgbClr val="000000"/>
                   </a:solidFill>
@@ -2876,7 +2885,7 @@
             </a:ln>
             <a:extLst>
               <a:ext uri="{91240B29-F687-4f45-9708-019B960494DF}">
-                <a14:hiddenLine xmlns:a14="http://schemas.microsoft.com/office/drawing/2010/main" xmlns="" w="9525">
+                <a14:hiddenLine xmlns="" xmlns:a14="http://schemas.microsoft.com/office/drawing/2010/main" w="9525">
                   <a:solidFill>
                     <a:srgbClr val="000000"/>
                   </a:solidFill>
@@ -2938,7 +2947,7 @@
             </a:ln>
             <a:extLst>
               <a:ext uri="{91240B29-F687-4f45-9708-019B960494DF}">
-                <a14:hiddenLine xmlns:a14="http://schemas.microsoft.com/office/drawing/2010/main" xmlns="" w="9525">
+                <a14:hiddenLine xmlns="" xmlns:a14="http://schemas.microsoft.com/office/drawing/2010/main" w="9525">
                   <a:solidFill>
                     <a:srgbClr val="000000"/>
                   </a:solidFill>
@@ -3028,7 +3037,7 @@
             </a:ln>
             <a:extLst>
               <a:ext uri="{91240B29-F687-4f45-9708-019B960494DF}">
-                <a14:hiddenLine xmlns:a14="http://schemas.microsoft.com/office/drawing/2010/main" xmlns="" w="9525">
+                <a14:hiddenLine xmlns="" xmlns:a14="http://schemas.microsoft.com/office/drawing/2010/main" w="9525">
                   <a:solidFill>
                     <a:srgbClr val="000000"/>
                   </a:solidFill>
@@ -3090,7 +3099,7 @@
             </a:ln>
             <a:extLst>
               <a:ext uri="{91240B29-F687-4f45-9708-019B960494DF}">
-                <a14:hiddenLine xmlns:a14="http://schemas.microsoft.com/office/drawing/2010/main" xmlns="" w="9525">
+                <a14:hiddenLine xmlns="" xmlns:a14="http://schemas.microsoft.com/office/drawing/2010/main" w="9525">
                   <a:solidFill>
                     <a:srgbClr val="000000"/>
                   </a:solidFill>
@@ -3180,7 +3189,7 @@
             </a:ln>
             <a:extLst>
               <a:ext uri="{91240B29-F687-4f45-9708-019B960494DF}">
-                <a14:hiddenLine xmlns:a14="http://schemas.microsoft.com/office/drawing/2010/main" xmlns="" w="9525">
+                <a14:hiddenLine xmlns="" xmlns:a14="http://schemas.microsoft.com/office/drawing/2010/main" w="9525">
                   <a:solidFill>
                     <a:srgbClr val="000000"/>
                   </a:solidFill>
@@ -3214,7 +3223,7 @@
             </a:ln>
             <a:extLst>
               <a:ext uri="{91240B29-F687-4f45-9708-019B960494DF}">
-                <a14:hiddenLine xmlns:a14="http://schemas.microsoft.com/office/drawing/2010/main" xmlns="" w="9525">
+                <a14:hiddenLine xmlns="" xmlns:a14="http://schemas.microsoft.com/office/drawing/2010/main" w="9525">
                   <a:solidFill>
                     <a:srgbClr val="000000"/>
                   </a:solidFill>
@@ -3279,7 +3288,7 @@
             </a:ln>
             <a:extLst>
               <a:ext uri="{91240B29-F687-4f45-9708-019B960494DF}">
-                <a14:hiddenLine xmlns:a14="http://schemas.microsoft.com/office/drawing/2010/main" xmlns="" w="9525">
+                <a14:hiddenLine xmlns="" xmlns:a14="http://schemas.microsoft.com/office/drawing/2010/main" w="9525">
                   <a:solidFill>
                     <a:srgbClr val="000000"/>
                   </a:solidFill>
@@ -3369,7 +3378,7 @@
             </a:ln>
             <a:extLst>
               <a:ext uri="{91240B29-F687-4f45-9708-019B960494DF}">
-                <a14:hiddenLine xmlns:a14="http://schemas.microsoft.com/office/drawing/2010/main" xmlns="" w="9525">
+                <a14:hiddenLine xmlns="" xmlns:a14="http://schemas.microsoft.com/office/drawing/2010/main" w="9525">
                   <a:solidFill>
                     <a:srgbClr val="000000"/>
                   </a:solidFill>
@@ -3431,7 +3440,7 @@
             </a:ln>
             <a:extLst>
               <a:ext uri="{91240B29-F687-4f45-9708-019B960494DF}">
-                <a14:hiddenLine xmlns:a14="http://schemas.microsoft.com/office/drawing/2010/main" xmlns="" w="9525">
+                <a14:hiddenLine xmlns="" xmlns:a14="http://schemas.microsoft.com/office/drawing/2010/main" w="9525">
                   <a:solidFill>
                     <a:srgbClr val="000000"/>
                   </a:solidFill>
@@ -3521,7 +3530,7 @@
             </a:ln>
             <a:extLst>
               <a:ext uri="{91240B29-F687-4f45-9708-019B960494DF}">
-                <a14:hiddenLine xmlns:a14="http://schemas.microsoft.com/office/drawing/2010/main" xmlns="" w="9525">
+                <a14:hiddenLine xmlns="" xmlns:a14="http://schemas.microsoft.com/office/drawing/2010/main" w="9525">
                   <a:solidFill>
                     <a:srgbClr val="000000"/>
                   </a:solidFill>
@@ -3611,7 +3620,7 @@
             </a:ln>
             <a:extLst>
               <a:ext uri="{91240B29-F687-4f45-9708-019B960494DF}">
-                <a14:hiddenLine xmlns:a14="http://schemas.microsoft.com/office/drawing/2010/main" xmlns="" w="9525">
+                <a14:hiddenLine xmlns="" xmlns:a14="http://schemas.microsoft.com/office/drawing/2010/main" w="9525">
                   <a:solidFill>
                     <a:srgbClr val="000000"/>
                   </a:solidFill>
@@ -3676,7 +3685,7 @@
             </a:ln>
             <a:extLst>
               <a:ext uri="{91240B29-F687-4f45-9708-019B960494DF}">
-                <a14:hiddenLine xmlns:a14="http://schemas.microsoft.com/office/drawing/2010/main" xmlns="" w="9525">
+                <a14:hiddenLine xmlns="" xmlns:a14="http://schemas.microsoft.com/office/drawing/2010/main" w="9525">
                   <a:solidFill>
                     <a:srgbClr val="000000"/>
                   </a:solidFill>
@@ -3738,7 +3747,7 @@
             </a:ln>
             <a:extLst>
               <a:ext uri="{91240B29-F687-4f45-9708-019B960494DF}">
-                <a14:hiddenLine xmlns:a14="http://schemas.microsoft.com/office/drawing/2010/main" xmlns="" w="9525">
+                <a14:hiddenLine xmlns="" xmlns:a14="http://schemas.microsoft.com/office/drawing/2010/main" w="9525">
                   <a:solidFill>
                     <a:srgbClr val="000000"/>
                   </a:solidFill>
@@ -3828,7 +3837,7 @@
             </a:ln>
             <a:extLst>
               <a:ext uri="{91240B29-F687-4f45-9708-019B960494DF}">
-                <a14:hiddenLine xmlns:a14="http://schemas.microsoft.com/office/drawing/2010/main" xmlns="" w="9525">
+                <a14:hiddenLine xmlns="" xmlns:a14="http://schemas.microsoft.com/office/drawing/2010/main" w="9525">
                   <a:solidFill>
                     <a:srgbClr val="000000"/>
                   </a:solidFill>
@@ -3918,7 +3927,7 @@
             </a:ln>
             <a:extLst>
               <a:ext uri="{91240B29-F687-4f45-9708-019B960494DF}">
-                <a14:hiddenLine xmlns:a14="http://schemas.microsoft.com/office/drawing/2010/main" xmlns="" w="9525">
+                <a14:hiddenLine xmlns="" xmlns:a14="http://schemas.microsoft.com/office/drawing/2010/main" w="9525">
                   <a:solidFill>
                     <a:srgbClr val="000000"/>
                   </a:solidFill>
@@ -3980,7 +3989,7 @@
             </a:ln>
             <a:extLst>
               <a:ext uri="{91240B29-F687-4f45-9708-019B960494DF}">
-                <a14:hiddenLine xmlns:a14="http://schemas.microsoft.com/office/drawing/2010/main" xmlns="" w="9525">
+                <a14:hiddenLine xmlns="" xmlns:a14="http://schemas.microsoft.com/office/drawing/2010/main" w="9525">
                   <a:solidFill>
                     <a:srgbClr val="000000"/>
                   </a:solidFill>
@@ -4100,7 +4109,7 @@
             </a:ln>
             <a:extLst>
               <a:ext uri="{91240B29-F687-4f45-9708-019B960494DF}">
-                <a14:hiddenLine xmlns:a14="http://schemas.microsoft.com/office/drawing/2010/main" xmlns="" w="9525">
+                <a14:hiddenLine xmlns="" xmlns:a14="http://schemas.microsoft.com/office/drawing/2010/main" w="9525">
                   <a:solidFill>
                     <a:srgbClr val="000000"/>
                   </a:solidFill>
@@ -4168,7 +4177,7 @@
             </a:ln>
             <a:extLst>
               <a:ext uri="{91240B29-F687-4f45-9708-019B960494DF}">
-                <a14:hiddenLine xmlns:a14="http://schemas.microsoft.com/office/drawing/2010/main" xmlns="" w="9525">
+                <a14:hiddenLine xmlns="" xmlns:a14="http://schemas.microsoft.com/office/drawing/2010/main" w="9525">
                   <a:solidFill>
                     <a:srgbClr val="000000"/>
                   </a:solidFill>
@@ -4258,7 +4267,7 @@
             </a:ln>
             <a:extLst>
               <a:ext uri="{91240B29-F687-4f45-9708-019B960494DF}">
-                <a14:hiddenLine xmlns:a14="http://schemas.microsoft.com/office/drawing/2010/main" xmlns="" w="9525">
+                <a14:hiddenLine xmlns="" xmlns:a14="http://schemas.microsoft.com/office/drawing/2010/main" w="9525">
                   <a:solidFill>
                     <a:srgbClr val="000000"/>
                   </a:solidFill>
@@ -4398,7 +4407,7 @@
           <a:p>
             <a:fld id="{48A87A34-81AB-432B-8DAE-1953F412C126}" type="datetimeFigureOut">
               <a:rPr lang="en-US" dirty="0"/>
-              <a:t>11/15/2017</a:t>
+              <a:t>11/22/2017</a:t>
             </a:fld>
             <a:endParaRPr lang="en-US" dirty="0"/>
           </a:p>
@@ -4660,7 +4669,7 @@
           <a:p>
             <a:fld id="{48A87A34-81AB-432B-8DAE-1953F412C126}" type="datetimeFigureOut">
               <a:rPr lang="en-US" dirty="0"/>
-              <a:t>11/15/2017</a:t>
+              <a:t>11/22/2017</a:t>
             </a:fld>
             <a:endParaRPr lang="en-US" dirty="0"/>
           </a:p>
@@ -4851,7 +4860,7 @@
           <a:p>
             <a:fld id="{48A87A34-81AB-432B-8DAE-1953F412C126}" type="datetimeFigureOut">
               <a:rPr lang="en-US" dirty="0"/>
-              <a:t>11/15/2017</a:t>
+              <a:t>11/22/2017</a:t>
             </a:fld>
             <a:endParaRPr lang="en-US" dirty="0"/>
           </a:p>
@@ -5109,7 +5118,7 @@
           <a:p>
             <a:fld id="{48A87A34-81AB-432B-8DAE-1953F412C126}" type="datetimeFigureOut">
               <a:rPr lang="en-US" dirty="0"/>
-              <a:t>11/15/2017</a:t>
+              <a:t>11/22/2017</a:t>
             </a:fld>
             <a:endParaRPr lang="en-US" dirty="0"/>
           </a:p>
@@ -5538,7 +5547,7 @@
           <a:p>
             <a:fld id="{48A87A34-81AB-432B-8DAE-1953F412C126}" type="datetimeFigureOut">
               <a:rPr lang="en-US" dirty="0"/>
-              <a:t>11/15/2017</a:t>
+              <a:t>11/22/2017</a:t>
             </a:fld>
             <a:endParaRPr lang="en-US" dirty="0"/>
           </a:p>
@@ -6079,7 +6088,7 @@
           <a:p>
             <a:fld id="{48A87A34-81AB-432B-8DAE-1953F412C126}" type="datetimeFigureOut">
               <a:rPr lang="en-US" dirty="0"/>
-              <a:t>11/15/2017</a:t>
+              <a:t>11/22/2017</a:t>
             </a:fld>
             <a:endParaRPr lang="en-US" dirty="0"/>
           </a:p>
@@ -6794,7 +6803,7 @@
           <a:p>
             <a:fld id="{48A87A34-81AB-432B-8DAE-1953F412C126}" type="datetimeFigureOut">
               <a:rPr lang="en-US" dirty="0"/>
-              <a:t>11/15/2017</a:t>
+              <a:t>11/22/2017</a:t>
             </a:fld>
             <a:endParaRPr lang="en-US" dirty="0"/>
           </a:p>
@@ -6959,7 +6968,7 @@
           <a:p>
             <a:fld id="{48A87A34-81AB-432B-8DAE-1953F412C126}" type="datetimeFigureOut">
               <a:rPr lang="en-US" dirty="0"/>
-              <a:t>11/15/2017</a:t>
+              <a:t>11/22/2017</a:t>
             </a:fld>
             <a:endParaRPr lang="en-US" dirty="0"/>
           </a:p>
@@ -7134,7 +7143,7 @@
           <a:p>
             <a:fld id="{48A87A34-81AB-432B-8DAE-1953F412C126}" type="datetimeFigureOut">
               <a:rPr lang="en-US" dirty="0"/>
-              <a:t>11/15/2017</a:t>
+              <a:t>11/22/2017</a:t>
             </a:fld>
             <a:endParaRPr lang="en-US" dirty="0"/>
           </a:p>
@@ -7299,7 +7308,7 @@
           <a:p>
             <a:fld id="{48A87A34-81AB-432B-8DAE-1953F412C126}" type="datetimeFigureOut">
               <a:rPr lang="en-US" dirty="0"/>
-              <a:t>11/15/2017</a:t>
+              <a:t>11/22/2017</a:t>
             </a:fld>
             <a:endParaRPr lang="en-US" dirty="0"/>
           </a:p>
@@ -7544,7 +7553,7 @@
           <a:p>
             <a:fld id="{48A87A34-81AB-432B-8DAE-1953F412C126}" type="datetimeFigureOut">
               <a:rPr lang="en-US" dirty="0"/>
-              <a:t>11/15/2017</a:t>
+              <a:t>11/22/2017</a:t>
             </a:fld>
             <a:endParaRPr lang="en-US" dirty="0"/>
           </a:p>
@@ -7771,7 +7780,7 @@
           <a:p>
             <a:fld id="{48A87A34-81AB-432B-8DAE-1953F412C126}" type="datetimeFigureOut">
               <a:rPr lang="en-US" dirty="0"/>
-              <a:t>11/15/2017</a:t>
+              <a:t>11/22/2017</a:t>
             </a:fld>
             <a:endParaRPr lang="en-US" dirty="0"/>
           </a:p>
@@ -8147,7 +8156,7 @@
           <a:p>
             <a:fld id="{48A87A34-81AB-432B-8DAE-1953F412C126}" type="datetimeFigureOut">
               <a:rPr lang="en-US" dirty="0"/>
-              <a:t>11/15/2017</a:t>
+              <a:t>11/22/2017</a:t>
             </a:fld>
             <a:endParaRPr lang="en-US" dirty="0"/>
           </a:p>
@@ -8260,7 +8269,7 @@
           <a:p>
             <a:fld id="{48A87A34-81AB-432B-8DAE-1953F412C126}" type="datetimeFigureOut">
               <a:rPr lang="en-US" dirty="0"/>
-              <a:t>11/15/2017</a:t>
+              <a:t>11/22/2017</a:t>
             </a:fld>
             <a:endParaRPr lang="en-US" dirty="0"/>
           </a:p>
@@ -8350,7 +8359,7 @@
           <a:p>
             <a:fld id="{48A87A34-81AB-432B-8DAE-1953F412C126}" type="datetimeFigureOut">
               <a:rPr lang="en-US" dirty="0"/>
-              <a:t>11/15/2017</a:t>
+              <a:t>11/22/2017</a:t>
             </a:fld>
             <a:endParaRPr lang="en-US" dirty="0"/>
           </a:p>
@@ -8594,7 +8603,7 @@
           <a:p>
             <a:fld id="{48A87A34-81AB-432B-8DAE-1953F412C126}" type="datetimeFigureOut">
               <a:rPr lang="en-US" dirty="0"/>
-              <a:t>11/15/2017</a:t>
+              <a:t>11/22/2017</a:t>
             </a:fld>
             <a:endParaRPr lang="en-US" dirty="0"/>
           </a:p>
@@ -8869,7 +8878,7 @@
           <a:p>
             <a:fld id="{48A87A34-81AB-432B-8DAE-1953F412C126}" type="datetimeFigureOut">
               <a:rPr lang="en-US" dirty="0"/>
-              <a:t>11/15/2017</a:t>
+              <a:t>11/22/2017</a:t>
             </a:fld>
             <a:endParaRPr lang="en-US" dirty="0"/>
           </a:p>
@@ -8980,7 +8989,7 @@
           <a:noFill/>
           <a:extLst>
             <a:ext uri="{909E8E84-426E-40dd-AFC4-6F175D3DCCD1}">
-              <a14:hiddenFill xmlns:a14="http://schemas.microsoft.com/office/drawing/2010/main" xmlns="">
+              <a14:hiddenFill xmlns="" xmlns:a14="http://schemas.microsoft.com/office/drawing/2010/main">
                 <a:solidFill>
                   <a:srgbClr val="FFFFFF"/>
                 </a:solidFill>
@@ -9054,7 +9063,7 @@
               </a:ln>
               <a:extLst>
                 <a:ext uri="{91240B29-F687-4f45-9708-019B960494DF}">
-                  <a14:hiddenLine xmlns:a14="http://schemas.microsoft.com/office/drawing/2010/main" xmlns="" w="9525">
+                  <a14:hiddenLine xmlns="" xmlns:a14="http://schemas.microsoft.com/office/drawing/2010/main" w="9525">
                     <a:solidFill>
                       <a:srgbClr val="000000"/>
                     </a:solidFill>
@@ -9144,7 +9153,7 @@
               </a:ln>
               <a:extLst>
                 <a:ext uri="{91240B29-F687-4f45-9708-019B960494DF}">
-                  <a14:hiddenLine xmlns:a14="http://schemas.microsoft.com/office/drawing/2010/main" xmlns="" w="9525">
+                  <a14:hiddenLine xmlns="" xmlns:a14="http://schemas.microsoft.com/office/drawing/2010/main" w="9525">
                     <a:solidFill>
                       <a:srgbClr val="000000"/>
                     </a:solidFill>
@@ -9234,7 +9243,7 @@
               </a:ln>
               <a:extLst>
                 <a:ext uri="{91240B29-F687-4f45-9708-019B960494DF}">
-                  <a14:hiddenLine xmlns:a14="http://schemas.microsoft.com/office/drawing/2010/main" xmlns="" w="9525">
+                  <a14:hiddenLine xmlns="" xmlns:a14="http://schemas.microsoft.com/office/drawing/2010/main" w="9525">
                     <a:solidFill>
                       <a:srgbClr val="000000"/>
                     </a:solidFill>
@@ -9296,7 +9305,7 @@
               </a:ln>
               <a:extLst>
                 <a:ext uri="{91240B29-F687-4f45-9708-019B960494DF}">
-                  <a14:hiddenLine xmlns:a14="http://schemas.microsoft.com/office/drawing/2010/main" xmlns="" w="9525">
+                  <a14:hiddenLine xmlns="" xmlns:a14="http://schemas.microsoft.com/office/drawing/2010/main" w="9525">
                     <a:solidFill>
                       <a:srgbClr val="000000"/>
                     </a:solidFill>
@@ -9386,7 +9395,7 @@
               </a:ln>
               <a:extLst>
                 <a:ext uri="{91240B29-F687-4f45-9708-019B960494DF}">
-                  <a14:hiddenLine xmlns:a14="http://schemas.microsoft.com/office/drawing/2010/main" xmlns="" w="9525">
+                  <a14:hiddenLine xmlns="" xmlns:a14="http://schemas.microsoft.com/office/drawing/2010/main" w="9525">
                     <a:solidFill>
                       <a:srgbClr val="000000"/>
                     </a:solidFill>
@@ -9448,7 +9457,7 @@
               </a:ln>
               <a:extLst>
                 <a:ext uri="{91240B29-F687-4f45-9708-019B960494DF}">
-                  <a14:hiddenLine xmlns:a14="http://schemas.microsoft.com/office/drawing/2010/main" xmlns="" w="9525">
+                  <a14:hiddenLine xmlns="" xmlns:a14="http://schemas.microsoft.com/office/drawing/2010/main" w="9525">
                     <a:solidFill>
                       <a:srgbClr val="000000"/>
                     </a:solidFill>
@@ -9510,7 +9519,7 @@
               </a:ln>
               <a:extLst>
                 <a:ext uri="{91240B29-F687-4f45-9708-019B960494DF}">
-                  <a14:hiddenLine xmlns:a14="http://schemas.microsoft.com/office/drawing/2010/main" xmlns="" w="9525">
+                  <a14:hiddenLine xmlns="" xmlns:a14="http://schemas.microsoft.com/office/drawing/2010/main" w="9525">
                     <a:solidFill>
                       <a:srgbClr val="000000"/>
                     </a:solidFill>
@@ -9600,7 +9609,7 @@
               </a:ln>
               <a:extLst>
                 <a:ext uri="{91240B29-F687-4f45-9708-019B960494DF}">
-                  <a14:hiddenLine xmlns:a14="http://schemas.microsoft.com/office/drawing/2010/main" xmlns="" w="9525">
+                  <a14:hiddenLine xmlns="" xmlns:a14="http://schemas.microsoft.com/office/drawing/2010/main" w="9525">
                     <a:solidFill>
                       <a:srgbClr val="000000"/>
                     </a:solidFill>
@@ -9690,7 +9699,7 @@
               </a:ln>
               <a:extLst>
                 <a:ext uri="{91240B29-F687-4f45-9708-019B960494DF}">
-                  <a14:hiddenLine xmlns:a14="http://schemas.microsoft.com/office/drawing/2010/main" xmlns="" w="9525">
+                  <a14:hiddenLine xmlns="" xmlns:a14="http://schemas.microsoft.com/office/drawing/2010/main" w="9525">
                     <a:solidFill>
                       <a:srgbClr val="000000"/>
                     </a:solidFill>
@@ -9752,7 +9761,7 @@
               </a:ln>
               <a:extLst>
                 <a:ext uri="{91240B29-F687-4f45-9708-019B960494DF}">
-                  <a14:hiddenLine xmlns:a14="http://schemas.microsoft.com/office/drawing/2010/main" xmlns="" w="9525">
+                  <a14:hiddenLine xmlns="" xmlns:a14="http://schemas.microsoft.com/office/drawing/2010/main" w="9525">
                     <a:solidFill>
                       <a:srgbClr val="000000"/>
                     </a:solidFill>
@@ -9862,7 +9871,7 @@
               </a:ln>
               <a:extLst>
                 <a:ext uri="{91240B29-F687-4f45-9708-019B960494DF}">
-                  <a14:hiddenLine xmlns:a14="http://schemas.microsoft.com/office/drawing/2010/main" xmlns="" w="9525">
+                  <a14:hiddenLine xmlns="" xmlns:a14="http://schemas.microsoft.com/office/drawing/2010/main" w="9525">
                     <a:solidFill>
                       <a:srgbClr val="000000"/>
                     </a:solidFill>
@@ -9946,7 +9955,7 @@
               </a:ln>
               <a:extLst>
                 <a:ext uri="{91240B29-F687-4f45-9708-019B960494DF}">
-                  <a14:hiddenLine xmlns:a14="http://schemas.microsoft.com/office/drawing/2010/main" xmlns="" w="9525">
+                  <a14:hiddenLine xmlns="" xmlns:a14="http://schemas.microsoft.com/office/drawing/2010/main" w="9525">
                     <a:solidFill>
                       <a:srgbClr val="000000"/>
                     </a:solidFill>
@@ -10008,7 +10017,7 @@
               </a:ln>
               <a:extLst>
                 <a:ext uri="{91240B29-F687-4f45-9708-019B960494DF}">
-                  <a14:hiddenLine xmlns:a14="http://schemas.microsoft.com/office/drawing/2010/main" xmlns="" w="9525">
+                  <a14:hiddenLine xmlns="" xmlns:a14="http://schemas.microsoft.com/office/drawing/2010/main" w="9525">
                     <a:solidFill>
                       <a:srgbClr val="000000"/>
                     </a:solidFill>
@@ -10070,7 +10079,7 @@
               </a:ln>
               <a:extLst>
                 <a:ext uri="{91240B29-F687-4f45-9708-019B960494DF}">
-                  <a14:hiddenLine xmlns:a14="http://schemas.microsoft.com/office/drawing/2010/main" xmlns="" w="9525">
+                  <a14:hiddenLine xmlns="" xmlns:a14="http://schemas.microsoft.com/office/drawing/2010/main" w="9525">
                     <a:solidFill>
                       <a:srgbClr val="000000"/>
                     </a:solidFill>
@@ -10160,7 +10169,7 @@
               </a:ln>
               <a:extLst>
                 <a:ext uri="{91240B29-F687-4f45-9708-019B960494DF}">
-                  <a14:hiddenLine xmlns:a14="http://schemas.microsoft.com/office/drawing/2010/main" xmlns="" w="9525">
+                  <a14:hiddenLine xmlns="" xmlns:a14="http://schemas.microsoft.com/office/drawing/2010/main" w="9525">
                     <a:solidFill>
                       <a:srgbClr val="000000"/>
                     </a:solidFill>
@@ -10194,7 +10203,7 @@
               </a:ln>
               <a:extLst>
                 <a:ext uri="{91240B29-F687-4f45-9708-019B960494DF}">
-                  <a14:hiddenLine xmlns:a14="http://schemas.microsoft.com/office/drawing/2010/main" xmlns="" w="9525">
+                  <a14:hiddenLine xmlns="" xmlns:a14="http://schemas.microsoft.com/office/drawing/2010/main" w="9525">
                     <a:solidFill>
                       <a:srgbClr val="000000"/>
                     </a:solidFill>
@@ -10259,7 +10268,7 @@
               </a:ln>
               <a:extLst>
                 <a:ext uri="{91240B29-F687-4f45-9708-019B960494DF}">
-                  <a14:hiddenLine xmlns:a14="http://schemas.microsoft.com/office/drawing/2010/main" xmlns="" w="9525">
+                  <a14:hiddenLine xmlns="" xmlns:a14="http://schemas.microsoft.com/office/drawing/2010/main" w="9525">
                     <a:solidFill>
                       <a:srgbClr val="000000"/>
                     </a:solidFill>
@@ -10349,7 +10358,7 @@
               </a:ln>
               <a:extLst>
                 <a:ext uri="{91240B29-F687-4f45-9708-019B960494DF}">
-                  <a14:hiddenLine xmlns:a14="http://schemas.microsoft.com/office/drawing/2010/main" xmlns="" w="9525">
+                  <a14:hiddenLine xmlns="" xmlns:a14="http://schemas.microsoft.com/office/drawing/2010/main" w="9525">
                     <a:solidFill>
                       <a:srgbClr val="000000"/>
                     </a:solidFill>
@@ -10411,7 +10420,7 @@
               </a:ln>
               <a:extLst>
                 <a:ext uri="{91240B29-F687-4f45-9708-019B960494DF}">
-                  <a14:hiddenLine xmlns:a14="http://schemas.microsoft.com/office/drawing/2010/main" xmlns="" w="9525">
+                  <a14:hiddenLine xmlns="" xmlns:a14="http://schemas.microsoft.com/office/drawing/2010/main" w="9525">
                     <a:solidFill>
                       <a:srgbClr val="000000"/>
                     </a:solidFill>
@@ -10501,7 +10510,7 @@
               </a:ln>
               <a:extLst>
                 <a:ext uri="{91240B29-F687-4f45-9708-019B960494DF}">
-                  <a14:hiddenLine xmlns:a14="http://schemas.microsoft.com/office/drawing/2010/main" xmlns="" w="9525">
+                  <a14:hiddenLine xmlns="" xmlns:a14="http://schemas.microsoft.com/office/drawing/2010/main" w="9525">
                     <a:solidFill>
                       <a:srgbClr val="000000"/>
                     </a:solidFill>
@@ -10566,7 +10575,7 @@
               </a:ln>
               <a:extLst>
                 <a:ext uri="{91240B29-F687-4f45-9708-019B960494DF}">
-                  <a14:hiddenLine xmlns:a14="http://schemas.microsoft.com/office/drawing/2010/main" xmlns="" w="9525">
+                  <a14:hiddenLine xmlns="" xmlns:a14="http://schemas.microsoft.com/office/drawing/2010/main" w="9525">
                     <a:solidFill>
                       <a:srgbClr val="000000"/>
                     </a:solidFill>
@@ -10628,7 +10637,7 @@
               </a:ln>
               <a:extLst>
                 <a:ext uri="{91240B29-F687-4f45-9708-019B960494DF}">
-                  <a14:hiddenLine xmlns:a14="http://schemas.microsoft.com/office/drawing/2010/main" xmlns="" w="9525">
+                  <a14:hiddenLine xmlns="" xmlns:a14="http://schemas.microsoft.com/office/drawing/2010/main" w="9525">
                     <a:solidFill>
                       <a:srgbClr val="000000"/>
                     </a:solidFill>
@@ -10718,7 +10727,7 @@
               </a:ln>
               <a:extLst>
                 <a:ext uri="{91240B29-F687-4f45-9708-019B960494DF}">
-                  <a14:hiddenLine xmlns:a14="http://schemas.microsoft.com/office/drawing/2010/main" xmlns="" w="9525">
+                  <a14:hiddenLine xmlns="" xmlns:a14="http://schemas.microsoft.com/office/drawing/2010/main" w="9525">
                     <a:solidFill>
                       <a:srgbClr val="000000"/>
                     </a:solidFill>
@@ -10808,7 +10817,7 @@
               </a:ln>
               <a:extLst>
                 <a:ext uri="{91240B29-F687-4f45-9708-019B960494DF}">
-                  <a14:hiddenLine xmlns:a14="http://schemas.microsoft.com/office/drawing/2010/main" xmlns="" w="9525">
+                  <a14:hiddenLine xmlns="" xmlns:a14="http://schemas.microsoft.com/office/drawing/2010/main" w="9525">
                     <a:solidFill>
                       <a:srgbClr val="000000"/>
                     </a:solidFill>
@@ -10873,7 +10882,7 @@
               </a:ln>
               <a:extLst>
                 <a:ext uri="{91240B29-F687-4f45-9708-019B960494DF}">
-                  <a14:hiddenLine xmlns:a14="http://schemas.microsoft.com/office/drawing/2010/main" xmlns="" w="9525">
+                  <a14:hiddenLine xmlns="" xmlns:a14="http://schemas.microsoft.com/office/drawing/2010/main" w="9525">
                     <a:solidFill>
                       <a:srgbClr val="000000"/>
                     </a:solidFill>
@@ -10993,7 +11002,7 @@
               </a:ln>
               <a:extLst>
                 <a:ext uri="{91240B29-F687-4f45-9708-019B960494DF}">
-                  <a14:hiddenLine xmlns:a14="http://schemas.microsoft.com/office/drawing/2010/main" xmlns="" w="9525">
+                  <a14:hiddenLine xmlns="" xmlns:a14="http://schemas.microsoft.com/office/drawing/2010/main" w="9525">
                     <a:solidFill>
                       <a:srgbClr val="000000"/>
                     </a:solidFill>
@@ -11091,7 +11100,7 @@
               </a:ln>
               <a:extLst>
                 <a:ext uri="{91240B29-F687-4f45-9708-019B960494DF}">
-                  <a14:hiddenLine xmlns:a14="http://schemas.microsoft.com/office/drawing/2010/main" xmlns="" w="9525">
+                  <a14:hiddenLine xmlns="" xmlns:a14="http://schemas.microsoft.com/office/drawing/2010/main" w="9525">
                     <a:solidFill>
                       <a:srgbClr val="000000"/>
                     </a:solidFill>
@@ -11206,7 +11215,7 @@
               </a:ln>
               <a:extLst>
                 <a:ext uri="{91240B29-F687-4f45-9708-019B960494DF}">
-                  <a14:hiddenLine xmlns:a14="http://schemas.microsoft.com/office/drawing/2010/main" xmlns="" w="9525">
+                  <a14:hiddenLine xmlns="" xmlns:a14="http://schemas.microsoft.com/office/drawing/2010/main" w="9525">
                     <a:solidFill>
                       <a:srgbClr val="000000"/>
                     </a:solidFill>
@@ -11296,7 +11305,7 @@
               </a:ln>
               <a:extLst>
                 <a:ext uri="{91240B29-F687-4f45-9708-019B960494DF}">
-                  <a14:hiddenLine xmlns:a14="http://schemas.microsoft.com/office/drawing/2010/main" xmlns="" w="9525">
+                  <a14:hiddenLine xmlns="" xmlns:a14="http://schemas.microsoft.com/office/drawing/2010/main" w="9525">
                     <a:solidFill>
                       <a:srgbClr val="000000"/>
                     </a:solidFill>
@@ -11361,7 +11370,7 @@
               </a:ln>
               <a:extLst>
                 <a:ext uri="{91240B29-F687-4f45-9708-019B960494DF}">
-                  <a14:hiddenLine xmlns:a14="http://schemas.microsoft.com/office/drawing/2010/main" xmlns="" w="9525">
+                  <a14:hiddenLine xmlns="" xmlns:a14="http://schemas.microsoft.com/office/drawing/2010/main" w="9525">
                     <a:solidFill>
                       <a:srgbClr val="000000"/>
                     </a:solidFill>
@@ -11451,7 +11460,7 @@
               </a:ln>
               <a:extLst>
                 <a:ext uri="{91240B29-F687-4f45-9708-019B960494DF}">
-                  <a14:hiddenLine xmlns:a14="http://schemas.microsoft.com/office/drawing/2010/main" xmlns="" w="9525">
+                  <a14:hiddenLine xmlns="" xmlns:a14="http://schemas.microsoft.com/office/drawing/2010/main" w="9525">
                     <a:solidFill>
                       <a:srgbClr val="000000"/>
                     </a:solidFill>
@@ -11519,7 +11528,7 @@
               </a:ln>
               <a:extLst>
                 <a:ext uri="{91240B29-F687-4f45-9708-019B960494DF}">
-                  <a14:hiddenLine xmlns:a14="http://schemas.microsoft.com/office/drawing/2010/main" xmlns="" w="9525">
+                  <a14:hiddenLine xmlns="" xmlns:a14="http://schemas.microsoft.com/office/drawing/2010/main" w="9525">
                     <a:solidFill>
                       <a:srgbClr val="000000"/>
                     </a:solidFill>
@@ -11609,7 +11618,7 @@
               </a:ln>
               <a:extLst>
                 <a:ext uri="{91240B29-F687-4f45-9708-019B960494DF}">
-                  <a14:hiddenLine xmlns:a14="http://schemas.microsoft.com/office/drawing/2010/main" xmlns="" w="9525">
+                  <a14:hiddenLine xmlns="" xmlns:a14="http://schemas.microsoft.com/office/drawing/2010/main" w="9525">
                     <a:solidFill>
                       <a:srgbClr val="000000"/>
                     </a:solidFill>
@@ -11677,7 +11686,7 @@
               </a:ln>
               <a:extLst>
                 <a:ext uri="{91240B29-F687-4f45-9708-019B960494DF}">
-                  <a14:hiddenLine xmlns:a14="http://schemas.microsoft.com/office/drawing/2010/main" xmlns="" w="9525">
+                  <a14:hiddenLine xmlns="" xmlns:a14="http://schemas.microsoft.com/office/drawing/2010/main" w="9525">
                     <a:solidFill>
                       <a:srgbClr val="000000"/>
                     </a:solidFill>
@@ -11767,7 +11776,7 @@
               </a:ln>
               <a:extLst>
                 <a:ext uri="{91240B29-F687-4f45-9708-019B960494DF}">
-                  <a14:hiddenLine xmlns:a14="http://schemas.microsoft.com/office/drawing/2010/main" xmlns="" w="9525">
+                  <a14:hiddenLine xmlns="" xmlns:a14="http://schemas.microsoft.com/office/drawing/2010/main" w="9525">
                     <a:solidFill>
                       <a:srgbClr val="000000"/>
                     </a:solidFill>
@@ -11801,7 +11810,7 @@
               </a:ln>
               <a:extLst>
                 <a:ext uri="{91240B29-F687-4f45-9708-019B960494DF}">
-                  <a14:hiddenLine xmlns:a14="http://schemas.microsoft.com/office/drawing/2010/main" xmlns="" w="9525">
+                  <a14:hiddenLine xmlns="" xmlns:a14="http://schemas.microsoft.com/office/drawing/2010/main" w="9525">
                     <a:solidFill>
                       <a:srgbClr val="000000"/>
                     </a:solidFill>
@@ -11942,7 +11951,7 @@
             <a:fld id="{48A87A34-81AB-432B-8DAE-1953F412C126}" type="datetimeFigureOut">
               <a:rPr lang="en-US" dirty="0"/>
               <a:pPr/>
-              <a:t>11/15/2017</a:t>
+              <a:t>11/22/2017</a:t>
             </a:fld>
             <a:endParaRPr lang="en-US" dirty="0"/>
           </a:p>
@@ -12490,10 +12499,6 @@
               <a:rPr lang="it-IT" dirty="0"/>
               <a:t>I processi agili promuovono uno sviluppo sostenibile.</a:t>
             </a:r>
-            <a:r>
-              <a:rPr lang="it-IT" dirty="0"/>
-              <a:t/>
-            </a:r>
             <a:br>
               <a:rPr lang="it-IT" dirty="0"/>
             </a:br>
@@ -12952,7 +12957,7 @@
           <a:p>
             <a:r>
               <a:rPr lang="it-IT" dirty="0" smtClean="0"/>
-              <a:t>Fonti</a:t>
+              <a:t>SCRUM</a:t>
             </a:r>
             <a:endParaRPr lang="it-IT" dirty="0"/>
           </a:p>
@@ -12977,31 +12982,50 @@
               <a:buNone/>
             </a:pPr>
             <a:r>
-              <a:rPr lang="it-IT" i="1" u="sng" dirty="0">
-                <a:hlinkClick r:id="rId2"/>
-              </a:rPr>
-              <a:t>http://</a:t>
-            </a:r>
-            <a:r>
-              <a:rPr lang="it-IT" i="1" u="sng" dirty="0" smtClean="0">
-                <a:hlinkClick r:id="rId2"/>
-              </a:rPr>
-              <a:t>agilemanifesto.org</a:t>
-            </a:r>
-            <a:endParaRPr lang="it-IT" i="1" u="sng" dirty="0"/>
-          </a:p>
-          <a:p>
-            <a:pPr marL="0" indent="0">
-              <a:buNone/>
-            </a:pPr>
-            <a:endParaRPr lang="it-IT" dirty="0"/>
+              <a:rPr lang="it-IT" dirty="0" err="1" smtClean="0"/>
+              <a:t>Scrum</a:t>
+            </a:r>
+            <a:r>
+              <a:rPr lang="it-IT" dirty="0" smtClean="0"/>
+              <a:t> è un </a:t>
+            </a:r>
+            <a:r>
+              <a:rPr lang="it-IT" dirty="0" err="1" smtClean="0"/>
+              <a:t>framework</a:t>
+            </a:r>
+            <a:r>
+              <a:rPr lang="it-IT" dirty="0" smtClean="0"/>
+              <a:t>:</a:t>
+            </a:r>
+          </a:p>
+          <a:p>
+            <a:pPr lvl="1"/>
+            <a:r>
+              <a:rPr lang="it-IT" dirty="0" smtClean="0"/>
+              <a:t>per sviluppare prodotti complessi</a:t>
+            </a:r>
+          </a:p>
+          <a:p>
+            <a:pPr lvl="1"/>
+            <a:r>
+              <a:rPr lang="it-IT" dirty="0" smtClean="0"/>
+              <a:t>che consente alle persone di risolvere problemi complessi</a:t>
+            </a:r>
+          </a:p>
+          <a:p>
+            <a:pPr lvl="1"/>
+            <a:r>
+              <a:rPr lang="it-IT" dirty="0" smtClean="0"/>
+              <a:t>che consente di creare e rilasciare prodotti in modo efficace e creativo, dal più alto valore possibile</a:t>
+            </a:r>
+            <a:endParaRPr lang="it-IT" dirty="0" smtClean="0"/>
           </a:p>
         </p:txBody>
       </p:sp>
     </p:spTree>
     <p:extLst>
       <p:ext uri="{BB962C8B-B14F-4D97-AF65-F5344CB8AC3E}">
-        <p14:creationId xmlns:p14="http://schemas.microsoft.com/office/powerpoint/2010/main" val="651840853"/>
+        <p14:creationId xmlns:p14="http://schemas.microsoft.com/office/powerpoint/2010/main" val="3804473691"/>
       </p:ext>
     </p:extLst>
   </p:cSld>
@@ -13045,7 +13069,7 @@
           <a:p>
             <a:r>
               <a:rPr lang="it-IT" dirty="0" smtClean="0"/>
-              <a:t>Autore</a:t>
+              <a:t>TEORIA</a:t>
             </a:r>
             <a:endParaRPr lang="it-IT" dirty="0"/>
           </a:p>
@@ -13070,24 +13094,328 @@
               <a:buNone/>
             </a:pPr>
             <a:r>
+              <a:rPr lang="it-IT" dirty="0" err="1" smtClean="0"/>
+              <a:t>Scrum</a:t>
+            </a:r>
+            <a:r>
               <a:rPr lang="it-IT" dirty="0" smtClean="0"/>
-              <a:t>Alessandro Brusò </a:t>
+              <a:t> si basa sul controllo </a:t>
+            </a:r>
+            <a:r>
+              <a:rPr lang="it-IT" b="1" dirty="0" smtClean="0"/>
+              <a:t>empirico</a:t>
+            </a:r>
+            <a:r>
+              <a:rPr lang="it-IT" dirty="0" smtClean="0"/>
+              <a:t> (</a:t>
+            </a:r>
+            <a:r>
+              <a:rPr lang="it-IT" dirty="0" smtClean="0">
+                <a:sym typeface="Wingdings" panose="05000000000000000000" pitchFamily="2" charset="2"/>
+              </a:rPr>
+              <a:t></a:t>
+            </a:r>
+            <a:r>
+              <a:rPr lang="it-IT" dirty="0" smtClean="0"/>
+              <a:t> misurazione) dei processi.</a:t>
+            </a:r>
+          </a:p>
+          <a:p>
+            <a:pPr marL="0" indent="0">
+              <a:buNone/>
+            </a:pPr>
+            <a:r>
+              <a:rPr lang="it-IT" dirty="0" err="1" smtClean="0"/>
+              <a:t>Scrum</a:t>
+            </a:r>
+            <a:r>
+              <a:rPr lang="it-IT" dirty="0" smtClean="0"/>
+              <a:t> utilizza il metodo iterativo ed un approccio incrementale per ottimizzare la prevedibilità ed il controllo del rischio.</a:t>
+            </a:r>
+          </a:p>
+        </p:txBody>
+      </p:sp>
+    </p:spTree>
+    <p:extLst>
+      <p:ext uri="{BB962C8B-B14F-4D97-AF65-F5344CB8AC3E}">
+        <p14:creationId xmlns:p14="http://schemas.microsoft.com/office/powerpoint/2010/main" val="1313450735"/>
+      </p:ext>
+    </p:extLst>
+  </p:cSld>
+  <p:clrMapOvr>
+    <a:masterClrMapping/>
+  </p:clrMapOvr>
+</p:sld>
+</file>
+
+<file path=ppt/slides/slide17.xml><?xml version="1.0" encoding="utf-8"?>
+<p:sld xmlns:a="http://schemas.openxmlformats.org/drawingml/2006/main" xmlns:r="http://schemas.openxmlformats.org/officeDocument/2006/relationships" xmlns:p="http://schemas.openxmlformats.org/presentationml/2006/main">
+  <p:cSld>
+    <p:spTree>
+      <p:nvGrpSpPr>
+        <p:cNvPr id="1" name=""/>
+        <p:cNvGrpSpPr/>
+        <p:nvPr/>
+      </p:nvGrpSpPr>
+      <p:grpSpPr>
+        <a:xfrm>
+          <a:off x="0" y="0"/>
+          <a:ext cx="0" cy="0"/>
+          <a:chOff x="0" y="0"/>
+          <a:chExt cx="0" cy="0"/>
+        </a:xfrm>
+      </p:grpSpPr>
+      <p:sp>
+        <p:nvSpPr>
+          <p:cNvPr id="2" name="Titolo 1"/>
+          <p:cNvSpPr>
+            <a:spLocks noGrp="1"/>
+          </p:cNvSpPr>
+          <p:nvPr>
+            <p:ph type="title"/>
+          </p:nvPr>
+        </p:nvSpPr>
+        <p:spPr/>
+        <p:txBody>
+          <a:bodyPr/>
+          <a:lstStyle/>
+          <a:p>
+            <a:r>
+              <a:rPr lang="it-IT" dirty="0" smtClean="0"/>
+              <a:t>I 3 pilastri</a:t>
+            </a:r>
+            <a:endParaRPr lang="it-IT" dirty="0"/>
+          </a:p>
+        </p:txBody>
+      </p:sp>
+      <p:sp>
+        <p:nvSpPr>
+          <p:cNvPr id="3" name="Segnaposto contenuto 2"/>
+          <p:cNvSpPr>
+            <a:spLocks noGrp="1"/>
+          </p:cNvSpPr>
+          <p:nvPr>
+            <p:ph idx="1"/>
+          </p:nvPr>
+        </p:nvSpPr>
+        <p:spPr/>
+        <p:txBody>
+          <a:bodyPr/>
+          <a:lstStyle/>
+          <a:p>
+            <a:pPr marL="0" indent="0">
+              <a:buNone/>
+            </a:pPr>
+            <a:r>
+              <a:rPr lang="it-IT" dirty="0" smtClean="0"/>
+              <a:t>I 3 pilastri sui quali la metodologia </a:t>
+            </a:r>
+            <a:r>
+              <a:rPr lang="it-IT" dirty="0" err="1" smtClean="0"/>
+              <a:t>Scrum</a:t>
+            </a:r>
+            <a:r>
+              <a:rPr lang="it-IT" dirty="0" smtClean="0"/>
+              <a:t> si fonda sono:</a:t>
+            </a:r>
+          </a:p>
+          <a:p>
+            <a:r>
+              <a:rPr lang="it-IT" dirty="0" smtClean="0"/>
+              <a:t>Trasparenza</a:t>
+            </a:r>
+          </a:p>
+          <a:p>
+            <a:r>
+              <a:rPr lang="it-IT" dirty="0" smtClean="0"/>
+              <a:t>Ispezione</a:t>
+            </a:r>
+          </a:p>
+          <a:p>
+            <a:r>
+              <a:rPr lang="it-IT" dirty="0" smtClean="0"/>
+              <a:t>Adattamento</a:t>
+            </a:r>
+          </a:p>
+        </p:txBody>
+      </p:sp>
+    </p:spTree>
+    <p:extLst>
+      <p:ext uri="{BB962C8B-B14F-4D97-AF65-F5344CB8AC3E}">
+        <p14:creationId xmlns:p14="http://schemas.microsoft.com/office/powerpoint/2010/main" val="1287002874"/>
+      </p:ext>
+    </p:extLst>
+  </p:cSld>
+  <p:clrMapOvr>
+    <a:masterClrMapping/>
+  </p:clrMapOvr>
+</p:sld>
+</file>
+
+<file path=ppt/slides/slide18.xml><?xml version="1.0" encoding="utf-8"?>
+<p:sld xmlns:a="http://schemas.openxmlformats.org/drawingml/2006/main" xmlns:r="http://schemas.openxmlformats.org/officeDocument/2006/relationships" xmlns:p="http://schemas.openxmlformats.org/presentationml/2006/main">
+  <p:cSld>
+    <p:spTree>
+      <p:nvGrpSpPr>
+        <p:cNvPr id="1" name=""/>
+        <p:cNvGrpSpPr/>
+        <p:nvPr/>
+      </p:nvGrpSpPr>
+      <p:grpSpPr>
+        <a:xfrm>
+          <a:off x="0" y="0"/>
+          <a:ext cx="0" cy="0"/>
+          <a:chOff x="0" y="0"/>
+          <a:chExt cx="0" cy="0"/>
+        </a:xfrm>
+      </p:grpSpPr>
+      <p:sp>
+        <p:nvSpPr>
+          <p:cNvPr id="2" name="Titolo 1"/>
+          <p:cNvSpPr>
+            <a:spLocks noGrp="1"/>
+          </p:cNvSpPr>
+          <p:nvPr>
+            <p:ph type="title"/>
+          </p:nvPr>
+        </p:nvSpPr>
+        <p:spPr/>
+        <p:txBody>
+          <a:bodyPr/>
+          <a:lstStyle/>
+          <a:p>
+            <a:r>
+              <a:rPr lang="it-IT" dirty="0" smtClean="0"/>
+              <a:t>SCRUM FRAMEWORK</a:t>
+            </a:r>
+            <a:endParaRPr lang="it-IT" dirty="0"/>
+          </a:p>
+        </p:txBody>
+      </p:sp>
+      <p:pic>
+        <p:nvPicPr>
+          <p:cNvPr id="4" name="Segnaposto contenuto 3"/>
+          <p:cNvPicPr>
+            <a:picLocks noGrp="1" noChangeAspect="1"/>
+          </p:cNvPicPr>
+          <p:nvPr>
+            <p:ph idx="1"/>
+          </p:nvPr>
+        </p:nvPicPr>
+        <p:blipFill>
+          <a:blip r:embed="rId2"/>
+          <a:stretch>
+            <a:fillRect/>
+          </a:stretch>
+        </p:blipFill>
+        <p:spPr>
+          <a:xfrm>
+            <a:off x="1242394" y="1823049"/>
+            <a:ext cx="10095791" cy="4572000"/>
+          </a:xfrm>
+          <a:prstGeom prst="rect">
+            <a:avLst/>
+          </a:prstGeom>
+        </p:spPr>
+      </p:pic>
+    </p:spTree>
+    <p:extLst>
+      <p:ext uri="{BB962C8B-B14F-4D97-AF65-F5344CB8AC3E}">
+        <p14:creationId xmlns:p14="http://schemas.microsoft.com/office/powerpoint/2010/main" val="1233107571"/>
+      </p:ext>
+    </p:extLst>
+  </p:cSld>
+  <p:clrMapOvr>
+    <a:masterClrMapping/>
+  </p:clrMapOvr>
+</p:sld>
+</file>
+
+<file path=ppt/slides/slide19.xml><?xml version="1.0" encoding="utf-8"?>
+<p:sld xmlns:a="http://schemas.openxmlformats.org/drawingml/2006/main" xmlns:r="http://schemas.openxmlformats.org/officeDocument/2006/relationships" xmlns:p="http://schemas.openxmlformats.org/presentationml/2006/main">
+  <p:cSld>
+    <p:spTree>
+      <p:nvGrpSpPr>
+        <p:cNvPr id="1" name=""/>
+        <p:cNvGrpSpPr/>
+        <p:nvPr/>
+      </p:nvGrpSpPr>
+      <p:grpSpPr>
+        <a:xfrm>
+          <a:off x="0" y="0"/>
+          <a:ext cx="0" cy="0"/>
+          <a:chOff x="0" y="0"/>
+          <a:chExt cx="0" cy="0"/>
+        </a:xfrm>
+      </p:grpSpPr>
+      <p:sp>
+        <p:nvSpPr>
+          <p:cNvPr id="2" name="Titolo 1"/>
+          <p:cNvSpPr>
+            <a:spLocks noGrp="1"/>
+          </p:cNvSpPr>
+          <p:nvPr>
+            <p:ph type="title"/>
+          </p:nvPr>
+        </p:nvSpPr>
+        <p:spPr/>
+        <p:txBody>
+          <a:bodyPr/>
+          <a:lstStyle/>
+          <a:p>
+            <a:r>
+              <a:rPr lang="it-IT" dirty="0" smtClean="0"/>
+              <a:t>Fonti</a:t>
+            </a:r>
+            <a:endParaRPr lang="it-IT" dirty="0"/>
+          </a:p>
+        </p:txBody>
+      </p:sp>
+      <p:sp>
+        <p:nvSpPr>
+          <p:cNvPr id="3" name="Segnaposto contenuto 2"/>
+          <p:cNvSpPr>
+            <a:spLocks noGrp="1"/>
+          </p:cNvSpPr>
+          <p:nvPr>
+            <p:ph idx="1"/>
+          </p:nvPr>
+        </p:nvSpPr>
+        <p:spPr/>
+        <p:txBody>
+          <a:bodyPr/>
+          <a:lstStyle/>
+          <a:p>
+            <a:pPr marL="0" indent="0">
+              <a:buNone/>
+            </a:pPr>
+            <a:r>
+              <a:rPr lang="it-IT" dirty="0" smtClean="0"/>
+              <a:t>Le </a:t>
+            </a:r>
+            <a:r>
+              <a:rPr lang="it-IT" dirty="0" err="1" smtClean="0"/>
+              <a:t>slides</a:t>
+            </a:r>
+            <a:r>
+              <a:rPr lang="it-IT" dirty="0" smtClean="0"/>
+              <a:t> aggiornate </a:t>
             </a:r>
             <a:r>
               <a:rPr lang="it-IT" dirty="0"/>
-              <a:t>- </a:t>
+              <a:t>sono disponibili su: </a:t>
             </a:r>
             <a:r>
               <a:rPr lang="it-IT" dirty="0">
                 <a:hlinkClick r:id="rId2"/>
               </a:rPr>
-              <a:t>https://www.linkedin.com/in/alessandrobruso</a:t>
+              <a:t>http://</a:t>
             </a:r>
             <a:r>
               <a:rPr lang="it-IT" dirty="0" smtClean="0">
                 <a:hlinkClick r:id="rId2"/>
               </a:rPr>
-              <a:t>/</a:t>
+              <a:t>github.com/abruso</a:t>
             </a:r>
             <a:endParaRPr lang="it-IT" dirty="0" smtClean="0"/>
           </a:p>
@@ -13095,7 +13423,37 @@
             <a:pPr marL="0" indent="0">
               <a:buNone/>
             </a:pPr>
-            <a:endParaRPr lang="it-IT" dirty="0"/>
+            <a:r>
+              <a:rPr lang="it-IT" i="1" u="sng" dirty="0" smtClean="0">
+                <a:hlinkClick r:id="rId3"/>
+              </a:rPr>
+              <a:t>http</a:t>
+            </a:r>
+            <a:r>
+              <a:rPr lang="it-IT" i="1" u="sng" dirty="0">
+                <a:hlinkClick r:id="rId3"/>
+              </a:rPr>
+              <a:t>://</a:t>
+            </a:r>
+            <a:r>
+              <a:rPr lang="it-IT" i="1" u="sng" dirty="0" smtClean="0">
+                <a:hlinkClick r:id="rId3"/>
+              </a:rPr>
+              <a:t>agilemanifesto.org</a:t>
+            </a:r>
+            <a:endParaRPr lang="it-IT" i="1" u="sng" dirty="0" smtClean="0"/>
+          </a:p>
+          <a:p>
+            <a:pPr marL="0" indent="0">
+              <a:buNone/>
+            </a:pPr>
+            <a:r>
+              <a:rPr lang="it-IT" i="1" u="sng" dirty="0" smtClean="0">
+                <a:hlinkClick r:id="rId4"/>
+              </a:rPr>
+              <a:t>http://scrum.org</a:t>
+            </a:r>
+            <a:endParaRPr lang="it-IT" i="1" u="sng" dirty="0" smtClean="0"/>
           </a:p>
           <a:p>
             <a:pPr marL="0" indent="0">
@@ -13108,7 +13466,7 @@
     </p:spTree>
     <p:extLst>
       <p:ext uri="{BB962C8B-B14F-4D97-AF65-F5344CB8AC3E}">
-        <p14:creationId xmlns:p14="http://schemas.microsoft.com/office/powerpoint/2010/main" val="1373350522"/>
+        <p14:creationId xmlns:p14="http://schemas.microsoft.com/office/powerpoint/2010/main" val="651840853"/>
       </p:ext>
     </p:extLst>
   </p:cSld>
@@ -13265,6 +13623,119 @@
 </p:sld>
 </file>
 
+<file path=ppt/slides/slide20.xml><?xml version="1.0" encoding="utf-8"?>
+<p:sld xmlns:a="http://schemas.openxmlformats.org/drawingml/2006/main" xmlns:r="http://schemas.openxmlformats.org/officeDocument/2006/relationships" xmlns:p="http://schemas.openxmlformats.org/presentationml/2006/main">
+  <p:cSld>
+    <p:spTree>
+      <p:nvGrpSpPr>
+        <p:cNvPr id="1" name=""/>
+        <p:cNvGrpSpPr/>
+        <p:nvPr/>
+      </p:nvGrpSpPr>
+      <p:grpSpPr>
+        <a:xfrm>
+          <a:off x="0" y="0"/>
+          <a:ext cx="0" cy="0"/>
+          <a:chOff x="0" y="0"/>
+          <a:chExt cx="0" cy="0"/>
+        </a:xfrm>
+      </p:grpSpPr>
+      <p:sp>
+        <p:nvSpPr>
+          <p:cNvPr id="2" name="Titolo 1"/>
+          <p:cNvSpPr>
+            <a:spLocks noGrp="1"/>
+          </p:cNvSpPr>
+          <p:nvPr>
+            <p:ph type="title"/>
+          </p:nvPr>
+        </p:nvSpPr>
+        <p:spPr/>
+        <p:txBody>
+          <a:bodyPr/>
+          <a:lstStyle/>
+          <a:p>
+            <a:r>
+              <a:rPr lang="it-IT" dirty="0" smtClean="0"/>
+              <a:t>Autore</a:t>
+            </a:r>
+            <a:endParaRPr lang="it-IT" dirty="0"/>
+          </a:p>
+        </p:txBody>
+      </p:sp>
+      <p:sp>
+        <p:nvSpPr>
+          <p:cNvPr id="3" name="Segnaposto contenuto 2"/>
+          <p:cNvSpPr>
+            <a:spLocks noGrp="1"/>
+          </p:cNvSpPr>
+          <p:nvPr>
+            <p:ph idx="1"/>
+          </p:nvPr>
+        </p:nvSpPr>
+        <p:spPr/>
+        <p:txBody>
+          <a:bodyPr/>
+          <a:lstStyle/>
+          <a:p>
+            <a:pPr marL="0" indent="0">
+              <a:buNone/>
+            </a:pPr>
+            <a:r>
+              <a:rPr lang="it-IT" dirty="0" smtClean="0"/>
+              <a:t>Alessandro Brusò </a:t>
+            </a:r>
+            <a:r>
+              <a:rPr lang="it-IT" dirty="0"/>
+              <a:t>- </a:t>
+            </a:r>
+            <a:r>
+              <a:rPr lang="it-IT" dirty="0">
+                <a:hlinkClick r:id="rId2"/>
+              </a:rPr>
+              <a:t>https://</a:t>
+            </a:r>
+            <a:r>
+              <a:rPr lang="it-IT" dirty="0" smtClean="0">
+                <a:hlinkClick r:id="rId2"/>
+              </a:rPr>
+              <a:t>www.linkedin.com/in/alessandrobruso</a:t>
+            </a:r>
+            <a:endParaRPr lang="it-IT" dirty="0" smtClean="0"/>
+          </a:p>
+          <a:p>
+            <a:pPr marL="0" indent="0">
+              <a:buNone/>
+            </a:pPr>
+            <a:endParaRPr lang="it-IT" dirty="0" smtClean="0"/>
+          </a:p>
+          <a:p>
+            <a:pPr marL="0" indent="0">
+              <a:buNone/>
+            </a:pPr>
+            <a:endParaRPr lang="it-IT" dirty="0"/>
+          </a:p>
+          <a:p>
+            <a:pPr marL="0" indent="0">
+              <a:buNone/>
+            </a:pPr>
+            <a:endParaRPr lang="it-IT" dirty="0"/>
+          </a:p>
+        </p:txBody>
+      </p:sp>
+    </p:spTree>
+    <p:extLst>
+      <p:ext uri="{BB962C8B-B14F-4D97-AF65-F5344CB8AC3E}">
+        <p14:creationId xmlns:p14="http://schemas.microsoft.com/office/powerpoint/2010/main" val="1373350522"/>
+      </p:ext>
+    </p:extLst>
+  </p:cSld>
+  <p:clrMapOvr>
+    <a:masterClrMapping/>
+  </p:clrMapOvr>
+</p:sld>
+</file>
+
 <file path=ppt/slides/slide3.xml><?xml version="1.0" encoding="utf-8"?>
 <p:sld xmlns:a="http://schemas.openxmlformats.org/drawingml/2006/main" xmlns:r="http://schemas.openxmlformats.org/officeDocument/2006/relationships" xmlns:p="http://schemas.openxmlformats.org/presentationml/2006/main">
   <p:cSld>
@@ -13356,7 +13827,6 @@
               <a:rPr lang="it-IT" dirty="0"/>
               <a:t>in maniera continua.</a:t>
             </a:r>
-            <a:endParaRPr lang="it-IT" dirty="0"/>
           </a:p>
         </p:txBody>
       </p:sp>
@@ -13456,10 +13926,6 @@
               <a:rPr lang="it-IT" dirty="0"/>
               <a:t>a stadi avanzati dello sviluppo.</a:t>
             </a:r>
-            <a:r>
-              <a:rPr lang="it-IT" dirty="0"/>
-              <a:t/>
-            </a:r>
             <a:br>
               <a:rPr lang="it-IT" dirty="0"/>
             </a:br>
@@ -13475,7 +13941,6 @@
               <a:rPr lang="it-IT" dirty="0"/>
               <a:t>favore del vantaggio competitivo del cliente.</a:t>
             </a:r>
-            <a:endParaRPr lang="it-IT" dirty="0"/>
           </a:p>
         </p:txBody>
       </p:sp>
@@ -13583,7 +14048,6 @@
               <a:rPr lang="it-IT" dirty="0"/>
               <a:t>i periodi brevi.</a:t>
             </a:r>
-            <a:endParaRPr lang="it-IT" dirty="0"/>
           </a:p>
         </p:txBody>
       </p:sp>
@@ -13766,10 +14230,6 @@
             <a:r>
               <a:rPr lang="it-IT" dirty="0"/>
               <a:t>Fondiamo i progetti su individui motivati.</a:t>
-            </a:r>
-            <a:r>
-              <a:rPr lang="it-IT" dirty="0"/>
-              <a:t/>
             </a:r>
             <a:br>
               <a:rPr lang="it-IT" dirty="0"/>

--- a/AGILE.pptx
+++ b/AGILE.pptx
@@ -19,12 +19,13 @@
     <p:sldId id="267" r:id="rId13"/>
     <p:sldId id="268" r:id="rId14"/>
     <p:sldId id="269" r:id="rId15"/>
-    <p:sldId id="273" r:id="rId16"/>
-    <p:sldId id="274" r:id="rId17"/>
-    <p:sldId id="275" r:id="rId18"/>
-    <p:sldId id="272" r:id="rId19"/>
-    <p:sldId id="270" r:id="rId20"/>
-    <p:sldId id="271" r:id="rId21"/>
+    <p:sldId id="277" r:id="rId16"/>
+    <p:sldId id="273" r:id="rId17"/>
+    <p:sldId id="274" r:id="rId18"/>
+    <p:sldId id="275" r:id="rId19"/>
+    <p:sldId id="272" r:id="rId20"/>
+    <p:sldId id="270" r:id="rId21"/>
+    <p:sldId id="271" r:id="rId22"/>
   </p:sldIdLst>
   <p:sldSz cx="12192000" cy="6858000"/>
   <p:notesSz cx="6858000" cy="9144000"/>
@@ -181,7 +182,7 @@
           <a:noFill/>
           <a:extLst>
             <a:ext uri="{909E8E84-426E-40dd-AFC4-6F175D3DCCD1}">
-              <a14:hiddenFill xmlns="" xmlns:a14="http://schemas.microsoft.com/office/drawing/2010/main">
+              <a14:hiddenFill xmlns:a14="http://schemas.microsoft.com/office/drawing/2010/main" xmlns="">
                 <a:solidFill>
                   <a:srgbClr val="FFFFFF"/>
                 </a:solidFill>
@@ -241,7 +242,7 @@
             </a:ln>
             <a:extLst>
               <a:ext uri="{91240B29-F687-4f45-9708-019B960494DF}">
-                <a14:hiddenLine xmlns="" xmlns:a14="http://schemas.microsoft.com/office/drawing/2010/main" w="9525">
+                <a14:hiddenLine xmlns:a14="http://schemas.microsoft.com/office/drawing/2010/main" xmlns="" w="9525">
                   <a:solidFill>
                     <a:srgbClr val="000000"/>
                   </a:solidFill>
@@ -331,7 +332,7 @@
             </a:ln>
             <a:extLst>
               <a:ext uri="{91240B29-F687-4f45-9708-019B960494DF}">
-                <a14:hiddenLine xmlns="" xmlns:a14="http://schemas.microsoft.com/office/drawing/2010/main" w="9525">
+                <a14:hiddenLine xmlns:a14="http://schemas.microsoft.com/office/drawing/2010/main" xmlns="" w="9525">
                   <a:solidFill>
                     <a:srgbClr val="000000"/>
                   </a:solidFill>
@@ -421,7 +422,7 @@
             </a:ln>
             <a:extLst>
               <a:ext uri="{91240B29-F687-4f45-9708-019B960494DF}">
-                <a14:hiddenLine xmlns="" xmlns:a14="http://schemas.microsoft.com/office/drawing/2010/main" w="9525">
+                <a14:hiddenLine xmlns:a14="http://schemas.microsoft.com/office/drawing/2010/main" xmlns="" w="9525">
                   <a:solidFill>
                     <a:srgbClr val="000000"/>
                   </a:solidFill>
@@ -455,7 +456,7 @@
             </a:ln>
             <a:extLst>
               <a:ext uri="{91240B29-F687-4f45-9708-019B960494DF}">
-                <a14:hiddenLine xmlns="" xmlns:a14="http://schemas.microsoft.com/office/drawing/2010/main" w="9525">
+                <a14:hiddenLine xmlns:a14="http://schemas.microsoft.com/office/drawing/2010/main" xmlns="" w="9525">
                   <a:solidFill>
                     <a:srgbClr val="000000"/>
                   </a:solidFill>
@@ -545,7 +546,7 @@
             </a:ln>
             <a:extLst>
               <a:ext uri="{91240B29-F687-4f45-9708-019B960494DF}">
-                <a14:hiddenLine xmlns="" xmlns:a14="http://schemas.microsoft.com/office/drawing/2010/main" w="9525">
+                <a14:hiddenLine xmlns:a14="http://schemas.microsoft.com/office/drawing/2010/main" xmlns="" w="9525">
                   <a:solidFill>
                     <a:srgbClr val="000000"/>
                   </a:solidFill>
@@ -607,7 +608,7 @@
             </a:ln>
             <a:extLst>
               <a:ext uri="{91240B29-F687-4f45-9708-019B960494DF}">
-                <a14:hiddenLine xmlns="" xmlns:a14="http://schemas.microsoft.com/office/drawing/2010/main" w="9525">
+                <a14:hiddenLine xmlns:a14="http://schemas.microsoft.com/office/drawing/2010/main" xmlns="" w="9525">
                   <a:solidFill>
                     <a:srgbClr val="000000"/>
                   </a:solidFill>
@@ -669,7 +670,7 @@
             </a:ln>
             <a:extLst>
               <a:ext uri="{91240B29-F687-4f45-9708-019B960494DF}">
-                <a14:hiddenLine xmlns="" xmlns:a14="http://schemas.microsoft.com/office/drawing/2010/main" w="9525">
+                <a14:hiddenLine xmlns:a14="http://schemas.microsoft.com/office/drawing/2010/main" xmlns="" w="9525">
                   <a:solidFill>
                     <a:srgbClr val="000000"/>
                   </a:solidFill>
@@ -759,7 +760,7 @@
             </a:ln>
             <a:extLst>
               <a:ext uri="{91240B29-F687-4f45-9708-019B960494DF}">
-                <a14:hiddenLine xmlns="" xmlns:a14="http://schemas.microsoft.com/office/drawing/2010/main" w="9525">
+                <a14:hiddenLine xmlns:a14="http://schemas.microsoft.com/office/drawing/2010/main" xmlns="" w="9525">
                   <a:solidFill>
                     <a:srgbClr val="000000"/>
                   </a:solidFill>
@@ -821,7 +822,7 @@
             </a:ln>
             <a:extLst>
               <a:ext uri="{91240B29-F687-4f45-9708-019B960494DF}">
-                <a14:hiddenLine xmlns="" xmlns:a14="http://schemas.microsoft.com/office/drawing/2010/main" w="9525">
+                <a14:hiddenLine xmlns:a14="http://schemas.microsoft.com/office/drawing/2010/main" xmlns="" w="9525">
                   <a:solidFill>
                     <a:srgbClr val="000000"/>
                   </a:solidFill>
@@ -883,7 +884,7 @@
             </a:ln>
             <a:extLst>
               <a:ext uri="{91240B29-F687-4f45-9708-019B960494DF}">
-                <a14:hiddenLine xmlns="" xmlns:a14="http://schemas.microsoft.com/office/drawing/2010/main" w="9525">
+                <a14:hiddenLine xmlns:a14="http://schemas.microsoft.com/office/drawing/2010/main" xmlns="" w="9525">
                   <a:solidFill>
                     <a:srgbClr val="000000"/>
                   </a:solidFill>
@@ -973,7 +974,7 @@
             </a:ln>
             <a:extLst>
               <a:ext uri="{91240B29-F687-4f45-9708-019B960494DF}">
-                <a14:hiddenLine xmlns="" xmlns:a14="http://schemas.microsoft.com/office/drawing/2010/main" w="9525">
+                <a14:hiddenLine xmlns:a14="http://schemas.microsoft.com/office/drawing/2010/main" xmlns="" w="9525">
                   <a:solidFill>
                     <a:srgbClr val="000000"/>
                   </a:solidFill>
@@ -1063,7 +1064,7 @@
             </a:ln>
             <a:extLst>
               <a:ext uri="{91240B29-F687-4f45-9708-019B960494DF}">
-                <a14:hiddenLine xmlns="" xmlns:a14="http://schemas.microsoft.com/office/drawing/2010/main" w="9525">
+                <a14:hiddenLine xmlns:a14="http://schemas.microsoft.com/office/drawing/2010/main" xmlns="" w="9525">
                   <a:solidFill>
                     <a:srgbClr val="000000"/>
                   </a:solidFill>
@@ -1125,7 +1126,7 @@
             </a:ln>
             <a:extLst>
               <a:ext uri="{91240B29-F687-4f45-9708-019B960494DF}">
-                <a14:hiddenLine xmlns="" xmlns:a14="http://schemas.microsoft.com/office/drawing/2010/main" w="9525">
+                <a14:hiddenLine xmlns:a14="http://schemas.microsoft.com/office/drawing/2010/main" xmlns="" w="9525">
                   <a:solidFill>
                     <a:srgbClr val="000000"/>
                   </a:solidFill>
@@ -1235,7 +1236,7 @@
             </a:ln>
             <a:extLst>
               <a:ext uri="{91240B29-F687-4f45-9708-019B960494DF}">
-                <a14:hiddenLine xmlns="" xmlns:a14="http://schemas.microsoft.com/office/drawing/2010/main" w="9525">
+                <a14:hiddenLine xmlns:a14="http://schemas.microsoft.com/office/drawing/2010/main" xmlns="" w="9525">
                   <a:solidFill>
                     <a:srgbClr val="000000"/>
                   </a:solidFill>
@@ -1297,7 +1298,7 @@
             </a:ln>
             <a:extLst>
               <a:ext uri="{91240B29-F687-4f45-9708-019B960494DF}">
-                <a14:hiddenLine xmlns="" xmlns:a14="http://schemas.microsoft.com/office/drawing/2010/main" w="9525">
+                <a14:hiddenLine xmlns:a14="http://schemas.microsoft.com/office/drawing/2010/main" xmlns="" w="9525">
                   <a:solidFill>
                     <a:srgbClr val="000000"/>
                   </a:solidFill>
@@ -1387,7 +1388,7 @@
             </a:ln>
             <a:extLst>
               <a:ext uri="{91240B29-F687-4f45-9708-019B960494DF}">
-                <a14:hiddenLine xmlns="" xmlns:a14="http://schemas.microsoft.com/office/drawing/2010/main" w="9525">
+                <a14:hiddenLine xmlns:a14="http://schemas.microsoft.com/office/drawing/2010/main" xmlns="" w="9525">
                   <a:solidFill>
                     <a:srgbClr val="000000"/>
                   </a:solidFill>
@@ -1477,7 +1478,7 @@
             </a:ln>
             <a:extLst>
               <a:ext uri="{91240B29-F687-4f45-9708-019B960494DF}">
-                <a14:hiddenLine xmlns="" xmlns:a14="http://schemas.microsoft.com/office/drawing/2010/main" w="9525">
+                <a14:hiddenLine xmlns:a14="http://schemas.microsoft.com/office/drawing/2010/main" xmlns="" w="9525">
                   <a:solidFill>
                     <a:srgbClr val="000000"/>
                   </a:solidFill>
@@ -1539,7 +1540,7 @@
             </a:ln>
             <a:extLst>
               <a:ext uri="{91240B29-F687-4f45-9708-019B960494DF}">
-                <a14:hiddenLine xmlns="" xmlns:a14="http://schemas.microsoft.com/office/drawing/2010/main" w="9525">
+                <a14:hiddenLine xmlns:a14="http://schemas.microsoft.com/office/drawing/2010/main" xmlns="" w="9525">
                   <a:solidFill>
                     <a:srgbClr val="000000"/>
                   </a:solidFill>
@@ -1629,7 +1630,7 @@
             </a:ln>
             <a:extLst>
               <a:ext uri="{91240B29-F687-4f45-9708-019B960494DF}">
-                <a14:hiddenLine xmlns="" xmlns:a14="http://schemas.microsoft.com/office/drawing/2010/main" w="9525">
+                <a14:hiddenLine xmlns:a14="http://schemas.microsoft.com/office/drawing/2010/main" xmlns="" w="9525">
                   <a:solidFill>
                     <a:srgbClr val="000000"/>
                   </a:solidFill>
@@ -1719,7 +1720,7 @@
             </a:ln>
             <a:extLst>
               <a:ext uri="{91240B29-F687-4f45-9708-019B960494DF}">
-                <a14:hiddenLine xmlns="" xmlns:a14="http://schemas.microsoft.com/office/drawing/2010/main" w="9525">
+                <a14:hiddenLine xmlns:a14="http://schemas.microsoft.com/office/drawing/2010/main" xmlns="" w="9525">
                   <a:solidFill>
                     <a:srgbClr val="000000"/>
                   </a:solidFill>
@@ -1775,7 +1776,7 @@
             </a:ln>
             <a:extLst>
               <a:ext uri="{91240B29-F687-4f45-9708-019B960494DF}">
-                <a14:hiddenLine xmlns="" xmlns:a14="http://schemas.microsoft.com/office/drawing/2010/main" w="9525">
+                <a14:hiddenLine xmlns:a14="http://schemas.microsoft.com/office/drawing/2010/main" xmlns="" w="9525">
                   <a:solidFill>
                     <a:srgbClr val="000000"/>
                   </a:solidFill>
@@ -1865,7 +1866,7 @@
             </a:ln>
             <a:extLst>
               <a:ext uri="{91240B29-F687-4f45-9708-019B960494DF}">
-                <a14:hiddenLine xmlns="" xmlns:a14="http://schemas.microsoft.com/office/drawing/2010/main" w="9525">
+                <a14:hiddenLine xmlns:a14="http://schemas.microsoft.com/office/drawing/2010/main" xmlns="" w="9525">
                   <a:solidFill>
                     <a:srgbClr val="000000"/>
                   </a:solidFill>
@@ -1921,7 +1922,7 @@
             </a:ln>
             <a:extLst>
               <a:ext uri="{91240B29-F687-4f45-9708-019B960494DF}">
-                <a14:hiddenLine xmlns="" xmlns:a14="http://schemas.microsoft.com/office/drawing/2010/main" w="9525">
+                <a14:hiddenLine xmlns:a14="http://schemas.microsoft.com/office/drawing/2010/main" xmlns="" w="9525">
                   <a:solidFill>
                     <a:srgbClr val="000000"/>
                   </a:solidFill>
@@ -2011,7 +2012,7 @@
             </a:ln>
             <a:extLst>
               <a:ext uri="{91240B29-F687-4f45-9708-019B960494DF}">
-                <a14:hiddenLine xmlns="" xmlns:a14="http://schemas.microsoft.com/office/drawing/2010/main" w="9525">
+                <a14:hiddenLine xmlns:a14="http://schemas.microsoft.com/office/drawing/2010/main" xmlns="" w="9525">
                   <a:solidFill>
                     <a:srgbClr val="000000"/>
                   </a:solidFill>
@@ -2079,7 +2080,7 @@
             </a:ln>
             <a:extLst>
               <a:ext uri="{91240B29-F687-4f45-9708-019B960494DF}">
-                <a14:hiddenLine xmlns="" xmlns:a14="http://schemas.microsoft.com/office/drawing/2010/main" w="9525">
+                <a14:hiddenLine xmlns:a14="http://schemas.microsoft.com/office/drawing/2010/main" xmlns="" w="9525">
                   <a:solidFill>
                     <a:srgbClr val="000000"/>
                   </a:solidFill>
@@ -2169,7 +2170,7 @@
             </a:ln>
             <a:extLst>
               <a:ext uri="{91240B29-F687-4f45-9708-019B960494DF}">
-                <a14:hiddenLine xmlns="" xmlns:a14="http://schemas.microsoft.com/office/drawing/2010/main" w="9525">
+                <a14:hiddenLine xmlns:a14="http://schemas.microsoft.com/office/drawing/2010/main" xmlns="" w="9525">
                   <a:solidFill>
                     <a:srgbClr val="000000"/>
                   </a:solidFill>
@@ -2237,7 +2238,7 @@
             </a:ln>
             <a:extLst>
               <a:ext uri="{91240B29-F687-4f45-9708-019B960494DF}">
-                <a14:hiddenLine xmlns="" xmlns:a14="http://schemas.microsoft.com/office/drawing/2010/main" w="9525">
+                <a14:hiddenLine xmlns:a14="http://schemas.microsoft.com/office/drawing/2010/main" xmlns="" w="9525">
                   <a:solidFill>
                     <a:srgbClr val="000000"/>
                   </a:solidFill>
@@ -2327,7 +2328,7 @@
             </a:ln>
             <a:extLst>
               <a:ext uri="{91240B29-F687-4f45-9708-019B960494DF}">
-                <a14:hiddenLine xmlns="" xmlns:a14="http://schemas.microsoft.com/office/drawing/2010/main" w="9525">
+                <a14:hiddenLine xmlns:a14="http://schemas.microsoft.com/office/drawing/2010/main" xmlns="" w="9525">
                   <a:solidFill>
                     <a:srgbClr val="000000"/>
                   </a:solidFill>
@@ -2361,7 +2362,7 @@
             </a:ln>
             <a:extLst>
               <a:ext uri="{91240B29-F687-4f45-9708-019B960494DF}">
-                <a14:hiddenLine xmlns="" xmlns:a14="http://schemas.microsoft.com/office/drawing/2010/main" w="9525">
+                <a14:hiddenLine xmlns:a14="http://schemas.microsoft.com/office/drawing/2010/main" xmlns="" w="9525">
                   <a:solidFill>
                     <a:srgbClr val="000000"/>
                   </a:solidFill>
@@ -2451,7 +2452,7 @@
             </a:ln>
             <a:extLst>
               <a:ext uri="{91240B29-F687-4f45-9708-019B960494DF}">
-                <a14:hiddenLine xmlns="" xmlns:a14="http://schemas.microsoft.com/office/drawing/2010/main" w="9525">
+                <a14:hiddenLine xmlns:a14="http://schemas.microsoft.com/office/drawing/2010/main" xmlns="" w="9525">
                   <a:solidFill>
                     <a:srgbClr val="000000"/>
                   </a:solidFill>
@@ -2513,7 +2514,7 @@
             </a:ln>
             <a:extLst>
               <a:ext uri="{91240B29-F687-4f45-9708-019B960494DF}">
-                <a14:hiddenLine xmlns="" xmlns:a14="http://schemas.microsoft.com/office/drawing/2010/main" w="9525">
+                <a14:hiddenLine xmlns:a14="http://schemas.microsoft.com/office/drawing/2010/main" xmlns="" w="9525">
                   <a:solidFill>
                     <a:srgbClr val="000000"/>
                   </a:solidFill>
@@ -2575,7 +2576,7 @@
             </a:ln>
             <a:extLst>
               <a:ext uri="{91240B29-F687-4f45-9708-019B960494DF}">
-                <a14:hiddenLine xmlns="" xmlns:a14="http://schemas.microsoft.com/office/drawing/2010/main" w="9525">
+                <a14:hiddenLine xmlns:a14="http://schemas.microsoft.com/office/drawing/2010/main" xmlns="" w="9525">
                   <a:solidFill>
                     <a:srgbClr val="000000"/>
                   </a:solidFill>
@@ -2665,7 +2666,7 @@
             </a:ln>
             <a:extLst>
               <a:ext uri="{91240B29-F687-4f45-9708-019B960494DF}">
-                <a14:hiddenLine xmlns="" xmlns:a14="http://schemas.microsoft.com/office/drawing/2010/main" w="9525">
+                <a14:hiddenLine xmlns:a14="http://schemas.microsoft.com/office/drawing/2010/main" xmlns="" w="9525">
                   <a:solidFill>
                     <a:srgbClr val="000000"/>
                   </a:solidFill>
@@ -2733,7 +2734,7 @@
             </a:ln>
             <a:extLst>
               <a:ext uri="{91240B29-F687-4f45-9708-019B960494DF}">
-                <a14:hiddenLine xmlns="" xmlns:a14="http://schemas.microsoft.com/office/drawing/2010/main" w="9525">
+                <a14:hiddenLine xmlns:a14="http://schemas.microsoft.com/office/drawing/2010/main" xmlns="" w="9525">
                   <a:solidFill>
                     <a:srgbClr val="000000"/>
                   </a:solidFill>
@@ -2795,7 +2796,7 @@
             </a:ln>
             <a:extLst>
               <a:ext uri="{91240B29-F687-4f45-9708-019B960494DF}">
-                <a14:hiddenLine xmlns="" xmlns:a14="http://schemas.microsoft.com/office/drawing/2010/main" w="9525">
+                <a14:hiddenLine xmlns:a14="http://schemas.microsoft.com/office/drawing/2010/main" xmlns="" w="9525">
                   <a:solidFill>
                     <a:srgbClr val="000000"/>
                   </a:solidFill>
@@ -2885,7 +2886,7 @@
             </a:ln>
             <a:extLst>
               <a:ext uri="{91240B29-F687-4f45-9708-019B960494DF}">
-                <a14:hiddenLine xmlns="" xmlns:a14="http://schemas.microsoft.com/office/drawing/2010/main" w="9525">
+                <a14:hiddenLine xmlns:a14="http://schemas.microsoft.com/office/drawing/2010/main" xmlns="" w="9525">
                   <a:solidFill>
                     <a:srgbClr val="000000"/>
                   </a:solidFill>
@@ -2947,7 +2948,7 @@
             </a:ln>
             <a:extLst>
               <a:ext uri="{91240B29-F687-4f45-9708-019B960494DF}">
-                <a14:hiddenLine xmlns="" xmlns:a14="http://schemas.microsoft.com/office/drawing/2010/main" w="9525">
+                <a14:hiddenLine xmlns:a14="http://schemas.microsoft.com/office/drawing/2010/main" xmlns="" w="9525">
                   <a:solidFill>
                     <a:srgbClr val="000000"/>
                   </a:solidFill>
@@ -3037,7 +3038,7 @@
             </a:ln>
             <a:extLst>
               <a:ext uri="{91240B29-F687-4f45-9708-019B960494DF}">
-                <a14:hiddenLine xmlns="" xmlns:a14="http://schemas.microsoft.com/office/drawing/2010/main" w="9525">
+                <a14:hiddenLine xmlns:a14="http://schemas.microsoft.com/office/drawing/2010/main" xmlns="" w="9525">
                   <a:solidFill>
                     <a:srgbClr val="000000"/>
                   </a:solidFill>
@@ -3099,7 +3100,7 @@
             </a:ln>
             <a:extLst>
               <a:ext uri="{91240B29-F687-4f45-9708-019B960494DF}">
-                <a14:hiddenLine xmlns="" xmlns:a14="http://schemas.microsoft.com/office/drawing/2010/main" w="9525">
+                <a14:hiddenLine xmlns:a14="http://schemas.microsoft.com/office/drawing/2010/main" xmlns="" w="9525">
                   <a:solidFill>
                     <a:srgbClr val="000000"/>
                   </a:solidFill>
@@ -3189,7 +3190,7 @@
             </a:ln>
             <a:extLst>
               <a:ext uri="{91240B29-F687-4f45-9708-019B960494DF}">
-                <a14:hiddenLine xmlns="" xmlns:a14="http://schemas.microsoft.com/office/drawing/2010/main" w="9525">
+                <a14:hiddenLine xmlns:a14="http://schemas.microsoft.com/office/drawing/2010/main" xmlns="" w="9525">
                   <a:solidFill>
                     <a:srgbClr val="000000"/>
                   </a:solidFill>
@@ -3223,7 +3224,7 @@
             </a:ln>
             <a:extLst>
               <a:ext uri="{91240B29-F687-4f45-9708-019B960494DF}">
-                <a14:hiddenLine xmlns="" xmlns:a14="http://schemas.microsoft.com/office/drawing/2010/main" w="9525">
+                <a14:hiddenLine xmlns:a14="http://schemas.microsoft.com/office/drawing/2010/main" xmlns="" w="9525">
                   <a:solidFill>
                     <a:srgbClr val="000000"/>
                   </a:solidFill>
@@ -3288,7 +3289,7 @@
             </a:ln>
             <a:extLst>
               <a:ext uri="{91240B29-F687-4f45-9708-019B960494DF}">
-                <a14:hiddenLine xmlns="" xmlns:a14="http://schemas.microsoft.com/office/drawing/2010/main" w="9525">
+                <a14:hiddenLine xmlns:a14="http://schemas.microsoft.com/office/drawing/2010/main" xmlns="" w="9525">
                   <a:solidFill>
                     <a:srgbClr val="000000"/>
                   </a:solidFill>
@@ -3378,7 +3379,7 @@
             </a:ln>
             <a:extLst>
               <a:ext uri="{91240B29-F687-4f45-9708-019B960494DF}">
-                <a14:hiddenLine xmlns="" xmlns:a14="http://schemas.microsoft.com/office/drawing/2010/main" w="9525">
+                <a14:hiddenLine xmlns:a14="http://schemas.microsoft.com/office/drawing/2010/main" xmlns="" w="9525">
                   <a:solidFill>
                     <a:srgbClr val="000000"/>
                   </a:solidFill>
@@ -3440,7 +3441,7 @@
             </a:ln>
             <a:extLst>
               <a:ext uri="{91240B29-F687-4f45-9708-019B960494DF}">
-                <a14:hiddenLine xmlns="" xmlns:a14="http://schemas.microsoft.com/office/drawing/2010/main" w="9525">
+                <a14:hiddenLine xmlns:a14="http://schemas.microsoft.com/office/drawing/2010/main" xmlns="" w="9525">
                   <a:solidFill>
                     <a:srgbClr val="000000"/>
                   </a:solidFill>
@@ -3530,7 +3531,7 @@
             </a:ln>
             <a:extLst>
               <a:ext uri="{91240B29-F687-4f45-9708-019B960494DF}">
-                <a14:hiddenLine xmlns="" xmlns:a14="http://schemas.microsoft.com/office/drawing/2010/main" w="9525">
+                <a14:hiddenLine xmlns:a14="http://schemas.microsoft.com/office/drawing/2010/main" xmlns="" w="9525">
                   <a:solidFill>
                     <a:srgbClr val="000000"/>
                   </a:solidFill>
@@ -3620,7 +3621,7 @@
             </a:ln>
             <a:extLst>
               <a:ext uri="{91240B29-F687-4f45-9708-019B960494DF}">
-                <a14:hiddenLine xmlns="" xmlns:a14="http://schemas.microsoft.com/office/drawing/2010/main" w="9525">
+                <a14:hiddenLine xmlns:a14="http://schemas.microsoft.com/office/drawing/2010/main" xmlns="" w="9525">
                   <a:solidFill>
                     <a:srgbClr val="000000"/>
                   </a:solidFill>
@@ -3685,7 +3686,7 @@
             </a:ln>
             <a:extLst>
               <a:ext uri="{91240B29-F687-4f45-9708-019B960494DF}">
-                <a14:hiddenLine xmlns="" xmlns:a14="http://schemas.microsoft.com/office/drawing/2010/main" w="9525">
+                <a14:hiddenLine xmlns:a14="http://schemas.microsoft.com/office/drawing/2010/main" xmlns="" w="9525">
                   <a:solidFill>
                     <a:srgbClr val="000000"/>
                   </a:solidFill>
@@ -3747,7 +3748,7 @@
             </a:ln>
             <a:extLst>
               <a:ext uri="{91240B29-F687-4f45-9708-019B960494DF}">
-                <a14:hiddenLine xmlns="" xmlns:a14="http://schemas.microsoft.com/office/drawing/2010/main" w="9525">
+                <a14:hiddenLine xmlns:a14="http://schemas.microsoft.com/office/drawing/2010/main" xmlns="" w="9525">
                   <a:solidFill>
                     <a:srgbClr val="000000"/>
                   </a:solidFill>
@@ -3837,7 +3838,7 @@
             </a:ln>
             <a:extLst>
               <a:ext uri="{91240B29-F687-4f45-9708-019B960494DF}">
-                <a14:hiddenLine xmlns="" xmlns:a14="http://schemas.microsoft.com/office/drawing/2010/main" w="9525">
+                <a14:hiddenLine xmlns:a14="http://schemas.microsoft.com/office/drawing/2010/main" xmlns="" w="9525">
                   <a:solidFill>
                     <a:srgbClr val="000000"/>
                   </a:solidFill>
@@ -3927,7 +3928,7 @@
             </a:ln>
             <a:extLst>
               <a:ext uri="{91240B29-F687-4f45-9708-019B960494DF}">
-                <a14:hiddenLine xmlns="" xmlns:a14="http://schemas.microsoft.com/office/drawing/2010/main" w="9525">
+                <a14:hiddenLine xmlns:a14="http://schemas.microsoft.com/office/drawing/2010/main" xmlns="" w="9525">
                   <a:solidFill>
                     <a:srgbClr val="000000"/>
                   </a:solidFill>
@@ -3989,7 +3990,7 @@
             </a:ln>
             <a:extLst>
               <a:ext uri="{91240B29-F687-4f45-9708-019B960494DF}">
-                <a14:hiddenLine xmlns="" xmlns:a14="http://schemas.microsoft.com/office/drawing/2010/main" w="9525">
+                <a14:hiddenLine xmlns:a14="http://schemas.microsoft.com/office/drawing/2010/main" xmlns="" w="9525">
                   <a:solidFill>
                     <a:srgbClr val="000000"/>
                   </a:solidFill>
@@ -4109,7 +4110,7 @@
             </a:ln>
             <a:extLst>
               <a:ext uri="{91240B29-F687-4f45-9708-019B960494DF}">
-                <a14:hiddenLine xmlns="" xmlns:a14="http://schemas.microsoft.com/office/drawing/2010/main" w="9525">
+                <a14:hiddenLine xmlns:a14="http://schemas.microsoft.com/office/drawing/2010/main" xmlns="" w="9525">
                   <a:solidFill>
                     <a:srgbClr val="000000"/>
                   </a:solidFill>
@@ -4177,7 +4178,7 @@
             </a:ln>
             <a:extLst>
               <a:ext uri="{91240B29-F687-4f45-9708-019B960494DF}">
-                <a14:hiddenLine xmlns="" xmlns:a14="http://schemas.microsoft.com/office/drawing/2010/main" w="9525">
+                <a14:hiddenLine xmlns:a14="http://schemas.microsoft.com/office/drawing/2010/main" xmlns="" w="9525">
                   <a:solidFill>
                     <a:srgbClr val="000000"/>
                   </a:solidFill>
@@ -4267,7 +4268,7 @@
             </a:ln>
             <a:extLst>
               <a:ext uri="{91240B29-F687-4f45-9708-019B960494DF}">
-                <a14:hiddenLine xmlns="" xmlns:a14="http://schemas.microsoft.com/office/drawing/2010/main" w="9525">
+                <a14:hiddenLine xmlns:a14="http://schemas.microsoft.com/office/drawing/2010/main" xmlns="" w="9525">
                   <a:solidFill>
                     <a:srgbClr val="000000"/>
                   </a:solidFill>
@@ -4407,7 +4408,7 @@
           <a:p>
             <a:fld id="{48A87A34-81AB-432B-8DAE-1953F412C126}" type="datetimeFigureOut">
               <a:rPr lang="en-US" dirty="0"/>
-              <a:t>11/22/2017</a:t>
+              <a:t>11/25/2017</a:t>
             </a:fld>
             <a:endParaRPr lang="en-US" dirty="0"/>
           </a:p>
@@ -4669,7 +4670,7 @@
           <a:p>
             <a:fld id="{48A87A34-81AB-432B-8DAE-1953F412C126}" type="datetimeFigureOut">
               <a:rPr lang="en-US" dirty="0"/>
-              <a:t>11/22/2017</a:t>
+              <a:t>11/25/2017</a:t>
             </a:fld>
             <a:endParaRPr lang="en-US" dirty="0"/>
           </a:p>
@@ -4860,7 +4861,7 @@
           <a:p>
             <a:fld id="{48A87A34-81AB-432B-8DAE-1953F412C126}" type="datetimeFigureOut">
               <a:rPr lang="en-US" dirty="0"/>
-              <a:t>11/22/2017</a:t>
+              <a:t>11/25/2017</a:t>
             </a:fld>
             <a:endParaRPr lang="en-US" dirty="0"/>
           </a:p>
@@ -5118,7 +5119,7 @@
           <a:p>
             <a:fld id="{48A87A34-81AB-432B-8DAE-1953F412C126}" type="datetimeFigureOut">
               <a:rPr lang="en-US" dirty="0"/>
-              <a:t>11/22/2017</a:t>
+              <a:t>11/25/2017</a:t>
             </a:fld>
             <a:endParaRPr lang="en-US" dirty="0"/>
           </a:p>
@@ -5547,7 +5548,7 @@
           <a:p>
             <a:fld id="{48A87A34-81AB-432B-8DAE-1953F412C126}" type="datetimeFigureOut">
               <a:rPr lang="en-US" dirty="0"/>
-              <a:t>11/22/2017</a:t>
+              <a:t>11/25/2017</a:t>
             </a:fld>
             <a:endParaRPr lang="en-US" dirty="0"/>
           </a:p>
@@ -6088,7 +6089,7 @@
           <a:p>
             <a:fld id="{48A87A34-81AB-432B-8DAE-1953F412C126}" type="datetimeFigureOut">
               <a:rPr lang="en-US" dirty="0"/>
-              <a:t>11/22/2017</a:t>
+              <a:t>11/25/2017</a:t>
             </a:fld>
             <a:endParaRPr lang="en-US" dirty="0"/>
           </a:p>
@@ -6803,7 +6804,7 @@
           <a:p>
             <a:fld id="{48A87A34-81AB-432B-8DAE-1953F412C126}" type="datetimeFigureOut">
               <a:rPr lang="en-US" dirty="0"/>
-              <a:t>11/22/2017</a:t>
+              <a:t>11/25/2017</a:t>
             </a:fld>
             <a:endParaRPr lang="en-US" dirty="0"/>
           </a:p>
@@ -6968,7 +6969,7 @@
           <a:p>
             <a:fld id="{48A87A34-81AB-432B-8DAE-1953F412C126}" type="datetimeFigureOut">
               <a:rPr lang="en-US" dirty="0"/>
-              <a:t>11/22/2017</a:t>
+              <a:t>11/25/2017</a:t>
             </a:fld>
             <a:endParaRPr lang="en-US" dirty="0"/>
           </a:p>
@@ -7143,7 +7144,7 @@
           <a:p>
             <a:fld id="{48A87A34-81AB-432B-8DAE-1953F412C126}" type="datetimeFigureOut">
               <a:rPr lang="en-US" dirty="0"/>
-              <a:t>11/22/2017</a:t>
+              <a:t>11/25/2017</a:t>
             </a:fld>
             <a:endParaRPr lang="en-US" dirty="0"/>
           </a:p>
@@ -7308,7 +7309,7 @@
           <a:p>
             <a:fld id="{48A87A34-81AB-432B-8DAE-1953F412C126}" type="datetimeFigureOut">
               <a:rPr lang="en-US" dirty="0"/>
-              <a:t>11/22/2017</a:t>
+              <a:t>11/25/2017</a:t>
             </a:fld>
             <a:endParaRPr lang="en-US" dirty="0"/>
           </a:p>
@@ -7553,7 +7554,7 @@
           <a:p>
             <a:fld id="{48A87A34-81AB-432B-8DAE-1953F412C126}" type="datetimeFigureOut">
               <a:rPr lang="en-US" dirty="0"/>
-              <a:t>11/22/2017</a:t>
+              <a:t>11/25/2017</a:t>
             </a:fld>
             <a:endParaRPr lang="en-US" dirty="0"/>
           </a:p>
@@ -7780,7 +7781,7 @@
           <a:p>
             <a:fld id="{48A87A34-81AB-432B-8DAE-1953F412C126}" type="datetimeFigureOut">
               <a:rPr lang="en-US" dirty="0"/>
-              <a:t>11/22/2017</a:t>
+              <a:t>11/25/2017</a:t>
             </a:fld>
             <a:endParaRPr lang="en-US" dirty="0"/>
           </a:p>
@@ -8156,7 +8157,7 @@
           <a:p>
             <a:fld id="{48A87A34-81AB-432B-8DAE-1953F412C126}" type="datetimeFigureOut">
               <a:rPr lang="en-US" dirty="0"/>
-              <a:t>11/22/2017</a:t>
+              <a:t>11/25/2017</a:t>
             </a:fld>
             <a:endParaRPr lang="en-US" dirty="0"/>
           </a:p>
@@ -8269,7 +8270,7 @@
           <a:p>
             <a:fld id="{48A87A34-81AB-432B-8DAE-1953F412C126}" type="datetimeFigureOut">
               <a:rPr lang="en-US" dirty="0"/>
-              <a:t>11/22/2017</a:t>
+              <a:t>11/25/2017</a:t>
             </a:fld>
             <a:endParaRPr lang="en-US" dirty="0"/>
           </a:p>
@@ -8359,7 +8360,7 @@
           <a:p>
             <a:fld id="{48A87A34-81AB-432B-8DAE-1953F412C126}" type="datetimeFigureOut">
               <a:rPr lang="en-US" dirty="0"/>
-              <a:t>11/22/2017</a:t>
+              <a:t>11/25/2017</a:t>
             </a:fld>
             <a:endParaRPr lang="en-US" dirty="0"/>
           </a:p>
@@ -8603,7 +8604,7 @@
           <a:p>
             <a:fld id="{48A87A34-81AB-432B-8DAE-1953F412C126}" type="datetimeFigureOut">
               <a:rPr lang="en-US" dirty="0"/>
-              <a:t>11/22/2017</a:t>
+              <a:t>11/25/2017</a:t>
             </a:fld>
             <a:endParaRPr lang="en-US" dirty="0"/>
           </a:p>
@@ -8878,7 +8879,7 @@
           <a:p>
             <a:fld id="{48A87A34-81AB-432B-8DAE-1953F412C126}" type="datetimeFigureOut">
               <a:rPr lang="en-US" dirty="0"/>
-              <a:t>11/22/2017</a:t>
+              <a:t>11/25/2017</a:t>
             </a:fld>
             <a:endParaRPr lang="en-US" dirty="0"/>
           </a:p>
@@ -8989,7 +8990,7 @@
           <a:noFill/>
           <a:extLst>
             <a:ext uri="{909E8E84-426E-40dd-AFC4-6F175D3DCCD1}">
-              <a14:hiddenFill xmlns="" xmlns:a14="http://schemas.microsoft.com/office/drawing/2010/main">
+              <a14:hiddenFill xmlns:a14="http://schemas.microsoft.com/office/drawing/2010/main" xmlns="">
                 <a:solidFill>
                   <a:srgbClr val="FFFFFF"/>
                 </a:solidFill>
@@ -9063,7 +9064,7 @@
               </a:ln>
               <a:extLst>
                 <a:ext uri="{91240B29-F687-4f45-9708-019B960494DF}">
-                  <a14:hiddenLine xmlns="" xmlns:a14="http://schemas.microsoft.com/office/drawing/2010/main" w="9525">
+                  <a14:hiddenLine xmlns:a14="http://schemas.microsoft.com/office/drawing/2010/main" xmlns="" w="9525">
                     <a:solidFill>
                       <a:srgbClr val="000000"/>
                     </a:solidFill>
@@ -9153,7 +9154,7 @@
               </a:ln>
               <a:extLst>
                 <a:ext uri="{91240B29-F687-4f45-9708-019B960494DF}">
-                  <a14:hiddenLine xmlns="" xmlns:a14="http://schemas.microsoft.com/office/drawing/2010/main" w="9525">
+                  <a14:hiddenLine xmlns:a14="http://schemas.microsoft.com/office/drawing/2010/main" xmlns="" w="9525">
                     <a:solidFill>
                       <a:srgbClr val="000000"/>
                     </a:solidFill>
@@ -9243,7 +9244,7 @@
               </a:ln>
               <a:extLst>
                 <a:ext uri="{91240B29-F687-4f45-9708-019B960494DF}">
-                  <a14:hiddenLine xmlns="" xmlns:a14="http://schemas.microsoft.com/office/drawing/2010/main" w="9525">
+                  <a14:hiddenLine xmlns:a14="http://schemas.microsoft.com/office/drawing/2010/main" xmlns="" w="9525">
                     <a:solidFill>
                       <a:srgbClr val="000000"/>
                     </a:solidFill>
@@ -9305,7 +9306,7 @@
               </a:ln>
               <a:extLst>
                 <a:ext uri="{91240B29-F687-4f45-9708-019B960494DF}">
-                  <a14:hiddenLine xmlns="" xmlns:a14="http://schemas.microsoft.com/office/drawing/2010/main" w="9525">
+                  <a14:hiddenLine xmlns:a14="http://schemas.microsoft.com/office/drawing/2010/main" xmlns="" w="9525">
                     <a:solidFill>
                       <a:srgbClr val="000000"/>
                     </a:solidFill>
@@ -9395,7 +9396,7 @@
               </a:ln>
               <a:extLst>
                 <a:ext uri="{91240B29-F687-4f45-9708-019B960494DF}">
-                  <a14:hiddenLine xmlns="" xmlns:a14="http://schemas.microsoft.com/office/drawing/2010/main" w="9525">
+                  <a14:hiddenLine xmlns:a14="http://schemas.microsoft.com/office/drawing/2010/main" xmlns="" w="9525">
                     <a:solidFill>
                       <a:srgbClr val="000000"/>
                     </a:solidFill>
@@ -9457,7 +9458,7 @@
               </a:ln>
               <a:extLst>
                 <a:ext uri="{91240B29-F687-4f45-9708-019B960494DF}">
-                  <a14:hiddenLine xmlns="" xmlns:a14="http://schemas.microsoft.com/office/drawing/2010/main" w="9525">
+                  <a14:hiddenLine xmlns:a14="http://schemas.microsoft.com/office/drawing/2010/main" xmlns="" w="9525">
                     <a:solidFill>
                       <a:srgbClr val="000000"/>
                     </a:solidFill>
@@ -9519,7 +9520,7 @@
               </a:ln>
               <a:extLst>
                 <a:ext uri="{91240B29-F687-4f45-9708-019B960494DF}">
-                  <a14:hiddenLine xmlns="" xmlns:a14="http://schemas.microsoft.com/office/drawing/2010/main" w="9525">
+                  <a14:hiddenLine xmlns:a14="http://schemas.microsoft.com/office/drawing/2010/main" xmlns="" w="9525">
                     <a:solidFill>
                       <a:srgbClr val="000000"/>
                     </a:solidFill>
@@ -9609,7 +9610,7 @@
               </a:ln>
               <a:extLst>
                 <a:ext uri="{91240B29-F687-4f45-9708-019B960494DF}">
-                  <a14:hiddenLine xmlns="" xmlns:a14="http://schemas.microsoft.com/office/drawing/2010/main" w="9525">
+                  <a14:hiddenLine xmlns:a14="http://schemas.microsoft.com/office/drawing/2010/main" xmlns="" w="9525">
                     <a:solidFill>
                       <a:srgbClr val="000000"/>
                     </a:solidFill>
@@ -9699,7 +9700,7 @@
               </a:ln>
               <a:extLst>
                 <a:ext uri="{91240B29-F687-4f45-9708-019B960494DF}">
-                  <a14:hiddenLine xmlns="" xmlns:a14="http://schemas.microsoft.com/office/drawing/2010/main" w="9525">
+                  <a14:hiddenLine xmlns:a14="http://schemas.microsoft.com/office/drawing/2010/main" xmlns="" w="9525">
                     <a:solidFill>
                       <a:srgbClr val="000000"/>
                     </a:solidFill>
@@ -9761,7 +9762,7 @@
               </a:ln>
               <a:extLst>
                 <a:ext uri="{91240B29-F687-4f45-9708-019B960494DF}">
-                  <a14:hiddenLine xmlns="" xmlns:a14="http://schemas.microsoft.com/office/drawing/2010/main" w="9525">
+                  <a14:hiddenLine xmlns:a14="http://schemas.microsoft.com/office/drawing/2010/main" xmlns="" w="9525">
                     <a:solidFill>
                       <a:srgbClr val="000000"/>
                     </a:solidFill>
@@ -9871,7 +9872,7 @@
               </a:ln>
               <a:extLst>
                 <a:ext uri="{91240B29-F687-4f45-9708-019B960494DF}">
-                  <a14:hiddenLine xmlns="" xmlns:a14="http://schemas.microsoft.com/office/drawing/2010/main" w="9525">
+                  <a14:hiddenLine xmlns:a14="http://schemas.microsoft.com/office/drawing/2010/main" xmlns="" w="9525">
                     <a:solidFill>
                       <a:srgbClr val="000000"/>
                     </a:solidFill>
@@ -9955,7 +9956,7 @@
               </a:ln>
               <a:extLst>
                 <a:ext uri="{91240B29-F687-4f45-9708-019B960494DF}">
-                  <a14:hiddenLine xmlns="" xmlns:a14="http://schemas.microsoft.com/office/drawing/2010/main" w="9525">
+                  <a14:hiddenLine xmlns:a14="http://schemas.microsoft.com/office/drawing/2010/main" xmlns="" w="9525">
                     <a:solidFill>
                       <a:srgbClr val="000000"/>
                     </a:solidFill>
@@ -10017,7 +10018,7 @@
               </a:ln>
               <a:extLst>
                 <a:ext uri="{91240B29-F687-4f45-9708-019B960494DF}">
-                  <a14:hiddenLine xmlns="" xmlns:a14="http://schemas.microsoft.com/office/drawing/2010/main" w="9525">
+                  <a14:hiddenLine xmlns:a14="http://schemas.microsoft.com/office/drawing/2010/main" xmlns="" w="9525">
                     <a:solidFill>
                       <a:srgbClr val="000000"/>
                     </a:solidFill>
@@ -10079,7 +10080,7 @@
               </a:ln>
               <a:extLst>
                 <a:ext uri="{91240B29-F687-4f45-9708-019B960494DF}">
-                  <a14:hiddenLine xmlns="" xmlns:a14="http://schemas.microsoft.com/office/drawing/2010/main" w="9525">
+                  <a14:hiddenLine xmlns:a14="http://schemas.microsoft.com/office/drawing/2010/main" xmlns="" w="9525">
                     <a:solidFill>
                       <a:srgbClr val="000000"/>
                     </a:solidFill>
@@ -10169,7 +10170,7 @@
               </a:ln>
               <a:extLst>
                 <a:ext uri="{91240B29-F687-4f45-9708-019B960494DF}">
-                  <a14:hiddenLine xmlns="" xmlns:a14="http://schemas.microsoft.com/office/drawing/2010/main" w="9525">
+                  <a14:hiddenLine xmlns:a14="http://schemas.microsoft.com/office/drawing/2010/main" xmlns="" w="9525">
                     <a:solidFill>
                       <a:srgbClr val="000000"/>
                     </a:solidFill>
@@ -10203,7 +10204,7 @@
               </a:ln>
               <a:extLst>
                 <a:ext uri="{91240B29-F687-4f45-9708-019B960494DF}">
-                  <a14:hiddenLine xmlns="" xmlns:a14="http://schemas.microsoft.com/office/drawing/2010/main" w="9525">
+                  <a14:hiddenLine xmlns:a14="http://schemas.microsoft.com/office/drawing/2010/main" xmlns="" w="9525">
                     <a:solidFill>
                       <a:srgbClr val="000000"/>
                     </a:solidFill>
@@ -10268,7 +10269,7 @@
               </a:ln>
               <a:extLst>
                 <a:ext uri="{91240B29-F687-4f45-9708-019B960494DF}">
-                  <a14:hiddenLine xmlns="" xmlns:a14="http://schemas.microsoft.com/office/drawing/2010/main" w="9525">
+                  <a14:hiddenLine xmlns:a14="http://schemas.microsoft.com/office/drawing/2010/main" xmlns="" w="9525">
                     <a:solidFill>
                       <a:srgbClr val="000000"/>
                     </a:solidFill>
@@ -10358,7 +10359,7 @@
               </a:ln>
               <a:extLst>
                 <a:ext uri="{91240B29-F687-4f45-9708-019B960494DF}">
-                  <a14:hiddenLine xmlns="" xmlns:a14="http://schemas.microsoft.com/office/drawing/2010/main" w="9525">
+                  <a14:hiddenLine xmlns:a14="http://schemas.microsoft.com/office/drawing/2010/main" xmlns="" w="9525">
                     <a:solidFill>
                       <a:srgbClr val="000000"/>
                     </a:solidFill>
@@ -10420,7 +10421,7 @@
               </a:ln>
               <a:extLst>
                 <a:ext uri="{91240B29-F687-4f45-9708-019B960494DF}">
-                  <a14:hiddenLine xmlns="" xmlns:a14="http://schemas.microsoft.com/office/drawing/2010/main" w="9525">
+                  <a14:hiddenLine xmlns:a14="http://schemas.microsoft.com/office/drawing/2010/main" xmlns="" w="9525">
                     <a:solidFill>
                       <a:srgbClr val="000000"/>
                     </a:solidFill>
@@ -10510,7 +10511,7 @@
               </a:ln>
               <a:extLst>
                 <a:ext uri="{91240B29-F687-4f45-9708-019B960494DF}">
-                  <a14:hiddenLine xmlns="" xmlns:a14="http://schemas.microsoft.com/office/drawing/2010/main" w="9525">
+                  <a14:hiddenLine xmlns:a14="http://schemas.microsoft.com/office/drawing/2010/main" xmlns="" w="9525">
                     <a:solidFill>
                       <a:srgbClr val="000000"/>
                     </a:solidFill>
@@ -10575,7 +10576,7 @@
               </a:ln>
               <a:extLst>
                 <a:ext uri="{91240B29-F687-4f45-9708-019B960494DF}">
-                  <a14:hiddenLine xmlns="" xmlns:a14="http://schemas.microsoft.com/office/drawing/2010/main" w="9525">
+                  <a14:hiddenLine xmlns:a14="http://schemas.microsoft.com/office/drawing/2010/main" xmlns="" w="9525">
                     <a:solidFill>
                       <a:srgbClr val="000000"/>
                     </a:solidFill>
@@ -10637,7 +10638,7 @@
               </a:ln>
               <a:extLst>
                 <a:ext uri="{91240B29-F687-4f45-9708-019B960494DF}">
-                  <a14:hiddenLine xmlns="" xmlns:a14="http://schemas.microsoft.com/office/drawing/2010/main" w="9525">
+                  <a14:hiddenLine xmlns:a14="http://schemas.microsoft.com/office/drawing/2010/main" xmlns="" w="9525">
                     <a:solidFill>
                       <a:srgbClr val="000000"/>
                     </a:solidFill>
@@ -10727,7 +10728,7 @@
               </a:ln>
               <a:extLst>
                 <a:ext uri="{91240B29-F687-4f45-9708-019B960494DF}">
-                  <a14:hiddenLine xmlns="" xmlns:a14="http://schemas.microsoft.com/office/drawing/2010/main" w="9525">
+                  <a14:hiddenLine xmlns:a14="http://schemas.microsoft.com/office/drawing/2010/main" xmlns="" w="9525">
                     <a:solidFill>
                       <a:srgbClr val="000000"/>
                     </a:solidFill>
@@ -10817,7 +10818,7 @@
               </a:ln>
               <a:extLst>
                 <a:ext uri="{91240B29-F687-4f45-9708-019B960494DF}">
-                  <a14:hiddenLine xmlns="" xmlns:a14="http://schemas.microsoft.com/office/drawing/2010/main" w="9525">
+                  <a14:hiddenLine xmlns:a14="http://schemas.microsoft.com/office/drawing/2010/main" xmlns="" w="9525">
                     <a:solidFill>
                       <a:srgbClr val="000000"/>
                     </a:solidFill>
@@ -10882,7 +10883,7 @@
               </a:ln>
               <a:extLst>
                 <a:ext uri="{91240B29-F687-4f45-9708-019B960494DF}">
-                  <a14:hiddenLine xmlns="" xmlns:a14="http://schemas.microsoft.com/office/drawing/2010/main" w="9525">
+                  <a14:hiddenLine xmlns:a14="http://schemas.microsoft.com/office/drawing/2010/main" xmlns="" w="9525">
                     <a:solidFill>
                       <a:srgbClr val="000000"/>
                     </a:solidFill>
@@ -11002,7 +11003,7 @@
               </a:ln>
               <a:extLst>
                 <a:ext uri="{91240B29-F687-4f45-9708-019B960494DF}">
-                  <a14:hiddenLine xmlns="" xmlns:a14="http://schemas.microsoft.com/office/drawing/2010/main" w="9525">
+                  <a14:hiddenLine xmlns:a14="http://schemas.microsoft.com/office/drawing/2010/main" xmlns="" w="9525">
                     <a:solidFill>
                       <a:srgbClr val="000000"/>
                     </a:solidFill>
@@ -11100,7 +11101,7 @@
               </a:ln>
               <a:extLst>
                 <a:ext uri="{91240B29-F687-4f45-9708-019B960494DF}">
-                  <a14:hiddenLine xmlns="" xmlns:a14="http://schemas.microsoft.com/office/drawing/2010/main" w="9525">
+                  <a14:hiddenLine xmlns:a14="http://schemas.microsoft.com/office/drawing/2010/main" xmlns="" w="9525">
                     <a:solidFill>
                       <a:srgbClr val="000000"/>
                     </a:solidFill>
@@ -11215,7 +11216,7 @@
               </a:ln>
               <a:extLst>
                 <a:ext uri="{91240B29-F687-4f45-9708-019B960494DF}">
-                  <a14:hiddenLine xmlns="" xmlns:a14="http://schemas.microsoft.com/office/drawing/2010/main" w="9525">
+                  <a14:hiddenLine xmlns:a14="http://schemas.microsoft.com/office/drawing/2010/main" xmlns="" w="9525">
                     <a:solidFill>
                       <a:srgbClr val="000000"/>
                     </a:solidFill>
@@ -11305,7 +11306,7 @@
               </a:ln>
               <a:extLst>
                 <a:ext uri="{91240B29-F687-4f45-9708-019B960494DF}">
-                  <a14:hiddenLine xmlns="" xmlns:a14="http://schemas.microsoft.com/office/drawing/2010/main" w="9525">
+                  <a14:hiddenLine xmlns:a14="http://schemas.microsoft.com/office/drawing/2010/main" xmlns="" w="9525">
                     <a:solidFill>
                       <a:srgbClr val="000000"/>
                     </a:solidFill>
@@ -11370,7 +11371,7 @@
               </a:ln>
               <a:extLst>
                 <a:ext uri="{91240B29-F687-4f45-9708-019B960494DF}">
-                  <a14:hiddenLine xmlns="" xmlns:a14="http://schemas.microsoft.com/office/drawing/2010/main" w="9525">
+                  <a14:hiddenLine xmlns:a14="http://schemas.microsoft.com/office/drawing/2010/main" xmlns="" w="9525">
                     <a:solidFill>
                       <a:srgbClr val="000000"/>
                     </a:solidFill>
@@ -11460,7 +11461,7 @@
               </a:ln>
               <a:extLst>
                 <a:ext uri="{91240B29-F687-4f45-9708-019B960494DF}">
-                  <a14:hiddenLine xmlns="" xmlns:a14="http://schemas.microsoft.com/office/drawing/2010/main" w="9525">
+                  <a14:hiddenLine xmlns:a14="http://schemas.microsoft.com/office/drawing/2010/main" xmlns="" w="9525">
                     <a:solidFill>
                       <a:srgbClr val="000000"/>
                     </a:solidFill>
@@ -11528,7 +11529,7 @@
               </a:ln>
               <a:extLst>
                 <a:ext uri="{91240B29-F687-4f45-9708-019B960494DF}">
-                  <a14:hiddenLine xmlns="" xmlns:a14="http://schemas.microsoft.com/office/drawing/2010/main" w="9525">
+                  <a14:hiddenLine xmlns:a14="http://schemas.microsoft.com/office/drawing/2010/main" xmlns="" w="9525">
                     <a:solidFill>
                       <a:srgbClr val="000000"/>
                     </a:solidFill>
@@ -11618,7 +11619,7 @@
               </a:ln>
               <a:extLst>
                 <a:ext uri="{91240B29-F687-4f45-9708-019B960494DF}">
-                  <a14:hiddenLine xmlns="" xmlns:a14="http://schemas.microsoft.com/office/drawing/2010/main" w="9525">
+                  <a14:hiddenLine xmlns:a14="http://schemas.microsoft.com/office/drawing/2010/main" xmlns="" w="9525">
                     <a:solidFill>
                       <a:srgbClr val="000000"/>
                     </a:solidFill>
@@ -11686,7 +11687,7 @@
               </a:ln>
               <a:extLst>
                 <a:ext uri="{91240B29-F687-4f45-9708-019B960494DF}">
-                  <a14:hiddenLine xmlns="" xmlns:a14="http://schemas.microsoft.com/office/drawing/2010/main" w="9525">
+                  <a14:hiddenLine xmlns:a14="http://schemas.microsoft.com/office/drawing/2010/main" xmlns="" w="9525">
                     <a:solidFill>
                       <a:srgbClr val="000000"/>
                     </a:solidFill>
@@ -11776,7 +11777,7 @@
               </a:ln>
               <a:extLst>
                 <a:ext uri="{91240B29-F687-4f45-9708-019B960494DF}">
-                  <a14:hiddenLine xmlns="" xmlns:a14="http://schemas.microsoft.com/office/drawing/2010/main" w="9525">
+                  <a14:hiddenLine xmlns:a14="http://schemas.microsoft.com/office/drawing/2010/main" xmlns="" w="9525">
                     <a:solidFill>
                       <a:srgbClr val="000000"/>
                     </a:solidFill>
@@ -11810,7 +11811,7 @@
               </a:ln>
               <a:extLst>
                 <a:ext uri="{91240B29-F687-4f45-9708-019B960494DF}">
-                  <a14:hiddenLine xmlns="" xmlns:a14="http://schemas.microsoft.com/office/drawing/2010/main" w="9525">
+                  <a14:hiddenLine xmlns:a14="http://schemas.microsoft.com/office/drawing/2010/main" xmlns="" w="9525">
                     <a:solidFill>
                       <a:srgbClr val="000000"/>
                     </a:solidFill>
@@ -11951,7 +11952,7 @@
             <a:fld id="{48A87A34-81AB-432B-8DAE-1953F412C126}" type="datetimeFigureOut">
               <a:rPr lang="en-US" dirty="0"/>
               <a:pPr/>
-              <a:t>11/22/2017</a:t>
+              <a:t>11/25/2017</a:t>
             </a:fld>
             <a:endParaRPr lang="en-US" dirty="0"/>
           </a:p>
@@ -12947,7 +12948,7 @@
             <a:spLocks noGrp="1"/>
           </p:cNvSpPr>
           <p:nvPr>
-            <p:ph type="title"/>
+            <p:ph type="ctrTitle"/>
           </p:nvPr>
         </p:nvSpPr>
         <p:spPr/>
@@ -12965,12 +12966,12 @@
       </p:sp>
       <p:sp>
         <p:nvSpPr>
-          <p:cNvPr id="3" name="Segnaposto contenuto 2"/>
+          <p:cNvPr id="3" name="Sottotitolo 2"/>
           <p:cNvSpPr>
             <a:spLocks noGrp="1"/>
           </p:cNvSpPr>
           <p:nvPr>
-            <p:ph idx="1"/>
+            <p:ph type="subTitle" idx="1"/>
           </p:nvPr>
         </p:nvSpPr>
         <p:spPr/>
@@ -12978,54 +12979,20 @@
           <a:bodyPr/>
           <a:lstStyle/>
           <a:p>
-            <a:pPr marL="0" indent="0">
-              <a:buNone/>
-            </a:pPr>
-            <a:r>
-              <a:rPr lang="it-IT" dirty="0" err="1" smtClean="0"/>
-              <a:t>Scrum</a:t>
-            </a:r>
             <a:r>
               <a:rPr lang="it-IT" dirty="0" smtClean="0"/>
-              <a:t> è un </a:t>
-            </a:r>
-            <a:r>
-              <a:rPr lang="it-IT" dirty="0" err="1" smtClean="0"/>
-              <a:t>framework</a:t>
-            </a:r>
-            <a:r>
-              <a:rPr lang="it-IT" dirty="0" smtClean="0"/>
-              <a:t>:</a:t>
-            </a:r>
-          </a:p>
-          <a:p>
-            <a:pPr lvl="1"/>
-            <a:r>
-              <a:rPr lang="it-IT" dirty="0" smtClean="0"/>
-              <a:t>per sviluppare prodotti complessi</a:t>
-            </a:r>
-          </a:p>
-          <a:p>
-            <a:pPr lvl="1"/>
-            <a:r>
-              <a:rPr lang="it-IT" dirty="0" smtClean="0"/>
-              <a:t>che consente alle persone di risolvere problemi complessi</a:t>
-            </a:r>
-          </a:p>
-          <a:p>
-            <a:pPr lvl="1"/>
-            <a:r>
-              <a:rPr lang="it-IT" dirty="0" smtClean="0"/>
-              <a:t>che consente di creare e rilasciare prodotti in modo efficace e creativo, dal più alto valore possibile</a:t>
-            </a:r>
-            <a:endParaRPr lang="it-IT" dirty="0" smtClean="0"/>
+              <a:t> </a:t>
+            </a:r>
+          </a:p>
+          <a:p>
+            <a:endParaRPr lang="it-IT" dirty="0"/>
           </a:p>
         </p:txBody>
       </p:sp>
     </p:spTree>
     <p:extLst>
       <p:ext uri="{BB962C8B-B14F-4D97-AF65-F5344CB8AC3E}">
-        <p14:creationId xmlns:p14="http://schemas.microsoft.com/office/powerpoint/2010/main" val="3804473691"/>
+        <p14:creationId xmlns:p14="http://schemas.microsoft.com/office/powerpoint/2010/main" val="379765103"/>
       </p:ext>
     </p:extLst>
   </p:cSld>
@@ -13069,7 +13036,7 @@
           <a:p>
             <a:r>
               <a:rPr lang="it-IT" dirty="0" smtClean="0"/>
-              <a:t>TEORIA</a:t>
+              <a:t>SCRUM</a:t>
             </a:r>
             <a:endParaRPr lang="it-IT" dirty="0"/>
           </a:p>
@@ -13099,38 +13066,36 @@
             </a:r>
             <a:r>
               <a:rPr lang="it-IT" dirty="0" smtClean="0"/>
-              <a:t> si basa sul controllo </a:t>
-            </a:r>
-            <a:r>
-              <a:rPr lang="it-IT" b="1" dirty="0" smtClean="0"/>
-              <a:t>empirico</a:t>
+              <a:t> è un </a:t>
+            </a:r>
+            <a:r>
+              <a:rPr lang="it-IT" dirty="0" err="1" smtClean="0"/>
+              <a:t>framework</a:t>
             </a:r>
             <a:r>
               <a:rPr lang="it-IT" dirty="0" smtClean="0"/>
-              <a:t> (</a:t>
-            </a:r>
-            <a:r>
-              <a:rPr lang="it-IT" dirty="0" smtClean="0">
-                <a:sym typeface="Wingdings" panose="05000000000000000000" pitchFamily="2" charset="2"/>
-              </a:rPr>
-              <a:t></a:t>
-            </a:r>
+              <a:t>:</a:t>
+            </a:r>
+          </a:p>
+          <a:p>
+            <a:pPr lvl="1"/>
             <a:r>
               <a:rPr lang="it-IT" dirty="0" smtClean="0"/>
-              <a:t> misurazione) dei processi.</a:t>
-            </a:r>
-          </a:p>
-          <a:p>
-            <a:pPr marL="0" indent="0">
-              <a:buNone/>
-            </a:pPr>
-            <a:r>
-              <a:rPr lang="it-IT" dirty="0" err="1" smtClean="0"/>
-              <a:t>Scrum</a:t>
-            </a:r>
+              <a:t>per sviluppare prodotti complessi</a:t>
+            </a:r>
+          </a:p>
+          <a:p>
+            <a:pPr lvl="1"/>
             <a:r>
               <a:rPr lang="it-IT" dirty="0" smtClean="0"/>
-              <a:t> utilizza il metodo iterativo ed un approccio incrementale per ottimizzare la prevedibilità ed il controllo del rischio.</a:t>
+              <a:t>che consente alle persone di risolvere problemi complessi</a:t>
+            </a:r>
+          </a:p>
+          <a:p>
+            <a:pPr lvl="1"/>
+            <a:r>
+              <a:rPr lang="it-IT" dirty="0" smtClean="0"/>
+              <a:t>che consente di creare e rilasciare prodotti in modo efficace e creativo, dal più alto valore possibile</a:t>
             </a:r>
           </a:p>
         </p:txBody>
@@ -13138,7 +13103,7 @@
     </p:spTree>
     <p:extLst>
       <p:ext uri="{BB962C8B-B14F-4D97-AF65-F5344CB8AC3E}">
-        <p14:creationId xmlns:p14="http://schemas.microsoft.com/office/powerpoint/2010/main" val="1313450735"/>
+        <p14:creationId xmlns:p14="http://schemas.microsoft.com/office/powerpoint/2010/main" val="3804473691"/>
       </p:ext>
     </p:extLst>
   </p:cSld>
@@ -13182,7 +13147,7 @@
           <a:p>
             <a:r>
               <a:rPr lang="it-IT" dirty="0" smtClean="0"/>
-              <a:t>I 3 pilastri</a:t>
+              <a:t>TEORIA</a:t>
             </a:r>
             <a:endParaRPr lang="it-IT" dirty="0"/>
           </a:p>
@@ -13207,34 +13172,43 @@
               <a:buNone/>
             </a:pPr>
             <a:r>
-              <a:rPr lang="it-IT" dirty="0" smtClean="0"/>
-              <a:t>I 3 pilastri sui quali la metodologia </a:t>
-            </a:r>
-            <a:r>
               <a:rPr lang="it-IT" dirty="0" err="1" smtClean="0"/>
               <a:t>Scrum</a:t>
             </a:r>
             <a:r>
               <a:rPr lang="it-IT" dirty="0" smtClean="0"/>
-              <a:t> si fonda sono:</a:t>
-            </a:r>
-          </a:p>
-          <a:p>
+              <a:t> si basa sul controllo </a:t>
+            </a:r>
+            <a:r>
+              <a:rPr lang="it-IT" b="1" dirty="0" smtClean="0"/>
+              <a:t>empirico</a:t>
+            </a:r>
             <a:r>
               <a:rPr lang="it-IT" dirty="0" smtClean="0"/>
-              <a:t>Trasparenza</a:t>
-            </a:r>
-          </a:p>
-          <a:p>
+              <a:t> (</a:t>
+            </a:r>
+            <a:r>
+              <a:rPr lang="it-IT" dirty="0" smtClean="0">
+                <a:sym typeface="Wingdings" panose="05000000000000000000" pitchFamily="2" charset="2"/>
+              </a:rPr>
+              <a:t></a:t>
+            </a:r>
             <a:r>
               <a:rPr lang="it-IT" dirty="0" smtClean="0"/>
-              <a:t>Ispezione</a:t>
-            </a:r>
-          </a:p>
-          <a:p>
+              <a:t> misurazione) dei processi.</a:t>
+            </a:r>
+          </a:p>
+          <a:p>
+            <a:pPr marL="0" indent="0">
+              <a:buNone/>
+            </a:pPr>
+            <a:r>
+              <a:rPr lang="it-IT" dirty="0" err="1" smtClean="0"/>
+              <a:t>Scrum</a:t>
+            </a:r>
             <a:r>
               <a:rPr lang="it-IT" dirty="0" smtClean="0"/>
-              <a:t>Adattamento</a:t>
+              <a:t> utilizza il metodo iterativo ed un approccio incrementale per ottimizzare la prevedibilità ed il controllo del rischio.</a:t>
             </a:r>
           </a:p>
         </p:txBody>
@@ -13242,7 +13216,7 @@
     </p:spTree>
     <p:extLst>
       <p:ext uri="{BB962C8B-B14F-4D97-AF65-F5344CB8AC3E}">
-        <p14:creationId xmlns:p14="http://schemas.microsoft.com/office/powerpoint/2010/main" val="1287002874"/>
+        <p14:creationId xmlns:p14="http://schemas.microsoft.com/office/powerpoint/2010/main" val="1313450735"/>
       </p:ext>
     </p:extLst>
   </p:cSld>
@@ -13286,42 +13260,67 @@
           <a:p>
             <a:r>
               <a:rPr lang="it-IT" dirty="0" smtClean="0"/>
-              <a:t>SCRUM FRAMEWORK</a:t>
+              <a:t>I 3 pilastri</a:t>
             </a:r>
             <a:endParaRPr lang="it-IT" dirty="0"/>
           </a:p>
         </p:txBody>
       </p:sp>
-      <p:pic>
-        <p:nvPicPr>
-          <p:cNvPr id="4" name="Segnaposto contenuto 3"/>
-          <p:cNvPicPr>
-            <a:picLocks noGrp="1" noChangeAspect="1"/>
-          </p:cNvPicPr>
+      <p:sp>
+        <p:nvSpPr>
+          <p:cNvPr id="3" name="Segnaposto contenuto 2"/>
+          <p:cNvSpPr>
+            <a:spLocks noGrp="1"/>
+          </p:cNvSpPr>
           <p:nvPr>
             <p:ph idx="1"/>
           </p:nvPr>
-        </p:nvPicPr>
-        <p:blipFill>
-          <a:blip r:embed="rId2"/>
-          <a:stretch>
-            <a:fillRect/>
-          </a:stretch>
-        </p:blipFill>
-        <p:spPr>
-          <a:xfrm>
-            <a:off x="1242394" y="1823049"/>
-            <a:ext cx="10095791" cy="4572000"/>
-          </a:xfrm>
-          <a:prstGeom prst="rect">
-            <a:avLst/>
-          </a:prstGeom>
-        </p:spPr>
-      </p:pic>
+        </p:nvSpPr>
+        <p:spPr/>
+        <p:txBody>
+          <a:bodyPr/>
+          <a:lstStyle/>
+          <a:p>
+            <a:pPr marL="0" indent="0">
+              <a:buNone/>
+            </a:pPr>
+            <a:r>
+              <a:rPr lang="it-IT" dirty="0" smtClean="0"/>
+              <a:t>I 3 pilastri sui quali la metodologia </a:t>
+            </a:r>
+            <a:r>
+              <a:rPr lang="it-IT" dirty="0" err="1" smtClean="0"/>
+              <a:t>Scrum</a:t>
+            </a:r>
+            <a:r>
+              <a:rPr lang="it-IT" dirty="0" smtClean="0"/>
+              <a:t> si fonda sono:</a:t>
+            </a:r>
+          </a:p>
+          <a:p>
+            <a:r>
+              <a:rPr lang="it-IT" dirty="0" smtClean="0"/>
+              <a:t>Trasparenza</a:t>
+            </a:r>
+          </a:p>
+          <a:p>
+            <a:r>
+              <a:rPr lang="it-IT" dirty="0" smtClean="0"/>
+              <a:t>Ispezione</a:t>
+            </a:r>
+          </a:p>
+          <a:p>
+            <a:r>
+              <a:rPr lang="it-IT" dirty="0" smtClean="0"/>
+              <a:t>Adattamento</a:t>
+            </a:r>
+          </a:p>
+        </p:txBody>
+      </p:sp>
     </p:spTree>
     <p:extLst>
       <p:ext uri="{BB962C8B-B14F-4D97-AF65-F5344CB8AC3E}">
-        <p14:creationId xmlns:p14="http://schemas.microsoft.com/office/powerpoint/2010/main" val="1233107571"/>
+        <p14:creationId xmlns:p14="http://schemas.microsoft.com/office/powerpoint/2010/main" val="1287002874"/>
       </p:ext>
     </p:extLst>
   </p:cSld>
@@ -13365,100 +13364,71 @@
           <a:p>
             <a:r>
               <a:rPr lang="it-IT" dirty="0" smtClean="0"/>
-              <a:t>Fonti</a:t>
+              <a:t>SCRUM FRAMEWORK</a:t>
             </a:r>
             <a:endParaRPr lang="it-IT" dirty="0"/>
           </a:p>
         </p:txBody>
       </p:sp>
-      <p:sp>
-        <p:nvSpPr>
-          <p:cNvPr id="3" name="Segnaposto contenuto 2"/>
-          <p:cNvSpPr>
-            <a:spLocks noGrp="1"/>
-          </p:cNvSpPr>
+      <p:pic>
+        <p:nvPicPr>
+          <p:cNvPr id="4" name="Segnaposto contenuto 3"/>
+          <p:cNvPicPr>
+            <a:picLocks noGrp="1" noChangeAspect="1"/>
+          </p:cNvPicPr>
           <p:nvPr>
             <p:ph idx="1"/>
           </p:nvPr>
-        </p:nvSpPr>
-        <p:spPr/>
-        <p:txBody>
-          <a:bodyPr/>
+        </p:nvPicPr>
+        <p:blipFill>
+          <a:blip r:embed="rId2"/>
+          <a:stretch>
+            <a:fillRect/>
+          </a:stretch>
+        </p:blipFill>
+        <p:spPr>
+          <a:xfrm>
+            <a:off x="1242394" y="1823049"/>
+            <a:ext cx="10095791" cy="4572000"/>
+          </a:xfrm>
+          <a:prstGeom prst="rect">
+            <a:avLst/>
+          </a:prstGeom>
+        </p:spPr>
+      </p:pic>
+      <p:sp>
+        <p:nvSpPr>
+          <p:cNvPr id="3" name="CasellaDiTesto 2"/>
+          <p:cNvSpPr txBox="1"/>
+          <p:nvPr/>
+        </p:nvSpPr>
+        <p:spPr>
+          <a:xfrm>
+            <a:off x="8971472" y="6395049"/>
+            <a:ext cx="2449902" cy="369332"/>
+          </a:xfrm>
+          <a:prstGeom prst="rect">
+            <a:avLst/>
+          </a:prstGeom>
+          <a:noFill/>
+        </p:spPr>
+        <p:txBody>
+          <a:bodyPr wrap="square" rtlCol="0">
+            <a:spAutoFit/>
+          </a:bodyPr>
           <a:lstStyle/>
           <a:p>
-            <a:pPr marL="0" indent="0">
-              <a:buNone/>
-            </a:pPr>
+            <a:pPr algn="r"/>
             <a:r>
               <a:rPr lang="it-IT" dirty="0" smtClean="0"/>
-              <a:t>Le </a:t>
-            </a:r>
-            <a:r>
-              <a:rPr lang="it-IT" dirty="0" err="1" smtClean="0"/>
-              <a:t>slides</a:t>
-            </a:r>
-            <a:r>
-              <a:rPr lang="it-IT" dirty="0" smtClean="0"/>
-              <a:t> aggiornate </a:t>
-            </a:r>
-            <a:r>
-              <a:rPr lang="it-IT" dirty="0"/>
-              <a:t>sono disponibili su: </a:t>
-            </a:r>
-            <a:r>
-              <a:rPr lang="it-IT" dirty="0">
-                <a:hlinkClick r:id="rId2"/>
-              </a:rPr>
-              <a:t>http://</a:t>
+              <a:t>Fonte: </a:t>
             </a:r>
             <a:r>
               <a:rPr lang="it-IT" dirty="0" smtClean="0">
-                <a:hlinkClick r:id="rId2"/>
-              </a:rPr>
-              <a:t>github.com/abruso</a:t>
-            </a:r>
-            <a:endParaRPr lang="it-IT" dirty="0" smtClean="0"/>
-          </a:p>
-          <a:p>
-            <a:pPr marL="0" indent="0">
-              <a:buNone/>
-            </a:pPr>
-            <a:r>
-              <a:rPr lang="it-IT" i="1" u="sng" dirty="0" smtClean="0">
                 <a:hlinkClick r:id="rId3"/>
               </a:rPr>
-              <a:t>http</a:t>
-            </a:r>
-            <a:r>
-              <a:rPr lang="it-IT" i="1" u="sng" dirty="0">
-                <a:hlinkClick r:id="rId3"/>
-              </a:rPr>
-              <a:t>://</a:t>
-            </a:r>
-            <a:r>
-              <a:rPr lang="it-IT" i="1" u="sng" dirty="0" smtClean="0">
-                <a:hlinkClick r:id="rId3"/>
-              </a:rPr>
-              <a:t>agilemanifesto.org</a:t>
-            </a:r>
-            <a:endParaRPr lang="it-IT" i="1" u="sng" dirty="0" smtClean="0"/>
-          </a:p>
-          <a:p>
-            <a:pPr marL="0" indent="0">
-              <a:buNone/>
-            </a:pPr>
-            <a:r>
-              <a:rPr lang="it-IT" i="1" u="sng" dirty="0" smtClean="0">
-                <a:hlinkClick r:id="rId4"/>
-              </a:rPr>
               <a:t>http://scrum.org</a:t>
             </a:r>
-            <a:endParaRPr lang="it-IT" i="1" u="sng" dirty="0" smtClean="0"/>
-          </a:p>
-          <a:p>
-            <a:pPr marL="0" indent="0">
-              <a:buNone/>
-            </a:pPr>
             <a:endParaRPr lang="it-IT" dirty="0"/>
           </a:p>
         </p:txBody>
@@ -13466,7 +13436,7 @@
     </p:spTree>
     <p:extLst>
       <p:ext uri="{BB962C8B-B14F-4D97-AF65-F5344CB8AC3E}">
-        <p14:creationId xmlns:p14="http://schemas.microsoft.com/office/powerpoint/2010/main" val="651840853"/>
+        <p14:creationId xmlns:p14="http://schemas.microsoft.com/office/powerpoint/2010/main" val="1233107571"/>
       </p:ext>
     </p:extLst>
   </p:cSld>
@@ -13624,6 +13594,151 @@
 </file>
 
 <file path=ppt/slides/slide20.xml><?xml version="1.0" encoding="utf-8"?>
+<p:sld xmlns:a="http://schemas.openxmlformats.org/drawingml/2006/main" xmlns:r="http://schemas.openxmlformats.org/officeDocument/2006/relationships" xmlns:p="http://schemas.openxmlformats.org/presentationml/2006/main">
+  <p:cSld>
+    <p:spTree>
+      <p:nvGrpSpPr>
+        <p:cNvPr id="1" name=""/>
+        <p:cNvGrpSpPr/>
+        <p:nvPr/>
+      </p:nvGrpSpPr>
+      <p:grpSpPr>
+        <a:xfrm>
+          <a:off x="0" y="0"/>
+          <a:ext cx="0" cy="0"/>
+          <a:chOff x="0" y="0"/>
+          <a:chExt cx="0" cy="0"/>
+        </a:xfrm>
+      </p:grpSpPr>
+      <p:sp>
+        <p:nvSpPr>
+          <p:cNvPr id="2" name="Titolo 1"/>
+          <p:cNvSpPr>
+            <a:spLocks noGrp="1"/>
+          </p:cNvSpPr>
+          <p:nvPr>
+            <p:ph type="title"/>
+          </p:nvPr>
+        </p:nvSpPr>
+        <p:spPr/>
+        <p:txBody>
+          <a:bodyPr/>
+          <a:lstStyle/>
+          <a:p>
+            <a:r>
+              <a:rPr lang="it-IT" dirty="0" smtClean="0"/>
+              <a:t>Fonti</a:t>
+            </a:r>
+            <a:endParaRPr lang="it-IT" dirty="0"/>
+          </a:p>
+        </p:txBody>
+      </p:sp>
+      <p:sp>
+        <p:nvSpPr>
+          <p:cNvPr id="3" name="Segnaposto contenuto 2"/>
+          <p:cNvSpPr>
+            <a:spLocks noGrp="1"/>
+          </p:cNvSpPr>
+          <p:nvPr>
+            <p:ph idx="1"/>
+          </p:nvPr>
+        </p:nvSpPr>
+        <p:spPr/>
+        <p:txBody>
+          <a:bodyPr/>
+          <a:lstStyle/>
+          <a:p>
+            <a:pPr marL="0" indent="0">
+              <a:buNone/>
+            </a:pPr>
+            <a:r>
+              <a:rPr lang="it-IT" dirty="0" smtClean="0"/>
+              <a:t>Le </a:t>
+            </a:r>
+            <a:r>
+              <a:rPr lang="it-IT" dirty="0" err="1" smtClean="0"/>
+              <a:t>slides</a:t>
+            </a:r>
+            <a:r>
+              <a:rPr lang="it-IT" dirty="0" smtClean="0"/>
+              <a:t> aggiornate </a:t>
+            </a:r>
+            <a:r>
+              <a:rPr lang="it-IT" dirty="0"/>
+              <a:t>sono disponibili su: </a:t>
+            </a:r>
+            <a:r>
+              <a:rPr lang="it-IT" dirty="0">
+                <a:hlinkClick r:id="rId2"/>
+              </a:rPr>
+              <a:t>http://</a:t>
+            </a:r>
+            <a:r>
+              <a:rPr lang="it-IT" dirty="0" smtClean="0">
+                <a:hlinkClick r:id="rId2"/>
+              </a:rPr>
+              <a:t>github.com/abruso</a:t>
+            </a:r>
+            <a:endParaRPr lang="it-IT" dirty="0" smtClean="0"/>
+          </a:p>
+          <a:p>
+            <a:pPr marL="0" indent="0">
+              <a:buNone/>
+            </a:pPr>
+            <a:r>
+              <a:rPr lang="it-IT" i="1" u="sng" dirty="0" smtClean="0">
+                <a:hlinkClick r:id="rId3"/>
+              </a:rPr>
+              <a:t>http</a:t>
+            </a:r>
+            <a:r>
+              <a:rPr lang="it-IT" i="1" u="sng" dirty="0">
+                <a:hlinkClick r:id="rId3"/>
+              </a:rPr>
+              <a:t>://</a:t>
+            </a:r>
+            <a:r>
+              <a:rPr lang="it-IT" i="1" u="sng" dirty="0" smtClean="0">
+                <a:hlinkClick r:id="rId3"/>
+              </a:rPr>
+              <a:t>agilemanifesto.org</a:t>
+            </a:r>
+            <a:endParaRPr lang="it-IT" i="1" u="sng" dirty="0" smtClean="0"/>
+          </a:p>
+          <a:p>
+            <a:pPr marL="0" indent="0">
+              <a:buNone/>
+            </a:pPr>
+            <a:r>
+              <a:rPr lang="it-IT" i="1" u="sng" dirty="0" smtClean="0">
+                <a:hlinkClick r:id="rId4"/>
+              </a:rPr>
+              <a:t>http://scrum.org</a:t>
+            </a:r>
+            <a:endParaRPr lang="it-IT" i="1" u="sng" dirty="0" smtClean="0"/>
+          </a:p>
+          <a:p>
+            <a:pPr marL="0" indent="0">
+              <a:buNone/>
+            </a:pPr>
+            <a:endParaRPr lang="it-IT" dirty="0"/>
+          </a:p>
+        </p:txBody>
+      </p:sp>
+    </p:spTree>
+    <p:extLst>
+      <p:ext uri="{BB962C8B-B14F-4D97-AF65-F5344CB8AC3E}">
+        <p14:creationId xmlns:p14="http://schemas.microsoft.com/office/powerpoint/2010/main" val="651840853"/>
+      </p:ext>
+    </p:extLst>
+  </p:cSld>
+  <p:clrMapOvr>
+    <a:masterClrMapping/>
+  </p:clrMapOvr>
+</p:sld>
+</file>
+
+<file path=ppt/slides/slide21.xml><?xml version="1.0" encoding="utf-8"?>
 <p:sld xmlns:a="http://schemas.openxmlformats.org/drawingml/2006/main" xmlns:r="http://schemas.openxmlformats.org/officeDocument/2006/relationships" xmlns:p="http://schemas.openxmlformats.org/presentationml/2006/main">
   <p:cSld>
     <p:spTree>
